--- a/2nd Project ppt/1_팀플아이디어_ABBA.pptx
+++ b/2nd Project ppt/1_팀플아이디어_ABBA.pptx
@@ -1,17 +1,17 @@
 
 <file path=ppt/presentation.xml><?xml version="1.0" encoding="utf-8"?>
-<p:presentation xmlns:a="http://schemas.openxmlformats.org/drawingml/2006/main" xmlns:r="http://schemas.openxmlformats.org/officeDocument/2006/relationships" xmlns:p="http://schemas.openxmlformats.org/presentationml/2006/main" saveSubsetFonts="1">
+<p:presentation xmlns:r="http://schemas.openxmlformats.org/officeDocument/2006/relationships" xmlns:c="http://schemas.openxmlformats.org/drawingml/2006/chart" xmlns:a="http://schemas.openxmlformats.org/drawingml/2006/main" xmlns:dgm="http://schemas.openxmlformats.org/drawingml/2006/diagram" xmlns:dsp="http://schemas.microsoft.com/office/drawing/2008/diagram" xmlns:p="http://schemas.openxmlformats.org/presentationml/2006/main" saveSubsetFonts="1">
   <p:sldMasterIdLst>
-    <p:sldMasterId id="2147483648" r:id="rId1"/>
+    <p:sldMasterId id="2147483672" r:id="rId10"/>
   </p:sldMasterIdLst>
   <p:sldIdLst>
-    <p:sldId id="261" r:id="rId2"/>
-    <p:sldId id="260" r:id="rId3"/>
-    <p:sldId id="257" r:id="rId4"/>
-    <p:sldId id="267" r:id="rId5"/>
-    <p:sldId id="259" r:id="rId6"/>
-    <p:sldId id="268" r:id="rId7"/>
-    <p:sldId id="272" r:id="rId8"/>
+    <p:sldId id="257" r:id="rId1"/>
+    <p:sldId id="258" r:id="rId2"/>
+    <p:sldId id="259" r:id="rId3"/>
+    <p:sldId id="260" r:id="rId4"/>
+    <p:sldId id="261" r:id="rId5"/>
+    <p:sldId id="262" r:id="rId6"/>
+    <p:sldId id="263" r:id="rId7"/>
   </p:sldIdLst>
   <p:sldSz cx="9144000" cy="6858000" type="screen4x3"/>
   <p:notesSz cx="6858000" cy="9144000"/>
@@ -114,7 +114,7 @@
 </file>
 
 <file path=ppt/slideLayouts/slideLayout1.xml><?xml version="1.0" encoding="utf-8"?>
-<p:sldLayout xmlns:a="http://schemas.openxmlformats.org/drawingml/2006/main" xmlns:r="http://schemas.openxmlformats.org/officeDocument/2006/relationships" xmlns:p="http://schemas.openxmlformats.org/presentationml/2006/main" type="title" preserve="1">
+<p:sldLayout xmlns:r="http://schemas.openxmlformats.org/officeDocument/2006/relationships" xmlns:c="http://schemas.openxmlformats.org/drawingml/2006/chart" xmlns:a="http://schemas.openxmlformats.org/drawingml/2006/main" xmlns:dgm="http://schemas.openxmlformats.org/drawingml/2006/diagram" xmlns:dsp="http://schemas.microsoft.com/office/drawing/2008/diagram" xmlns:p="http://schemas.openxmlformats.org/presentationml/2006/main" showMasterPhAnim="1" matchingName="제목 슬라이드" type="title" preserve="1">
   <p:cSld name="제목 슬라이드">
     <p:spTree>
       <p:nvGrpSpPr>
@@ -137,7 +137,7 @@
             <a:spLocks noGrp="1"/>
           </p:cNvSpPr>
           <p:nvPr>
-            <p:ph type="ctrTitle"/>
+            <p:ph type="ctrTitle" idx="0"/>
           </p:nvPr>
         </p:nvSpPr>
         <p:spPr>
@@ -150,8 +150,11 @@
           <a:bodyPr/>
           <a:lstStyle/>
           <a:p>
-            <a:r>
-              <a:rPr lang="ko-KR" altLang="en-US" smtClean="0"/>
+            <a:pPr lvl="0">
+              <a:defRPr lang="ko-KR" altLang="en-US"/>
+            </a:pPr>
+            <a:r>
+              <a:rPr lang="ko-KR" altLang="en-US"/>
               <a:t>마스터 제목 스타일 편집</a:t>
             </a:r>
             <a:endParaRPr lang="ko-KR" altLang="en-US"/>
@@ -269,8 +272,11 @@
             </a:lvl9pPr>
           </a:lstStyle>
           <a:p>
-            <a:r>
-              <a:rPr lang="ko-KR" altLang="en-US" smtClean="0"/>
+            <a:pPr lvl="0">
+              <a:defRPr lang="ko-KR" altLang="en-US"/>
+            </a:pPr>
+            <a:r>
+              <a:rPr lang="ko-KR" altLang="en-US"/>
               <a:t>마스터 부제목 스타일 편집</a:t>
             </a:r>
             <a:endParaRPr lang="ko-KR" altLang="en-US"/>
@@ -292,8 +298,14 @@
           <a:bodyPr/>
           <a:lstStyle/>
           <a:p>
+            <a:pPr lvl="0">
+              <a:defRPr lang="ko-KR" altLang="en-US"/>
+            </a:pPr>
             <a:fld id="{33CA8B54-4754-4F08-AF2B-4F4AA1279EF4}" type="datetimeFigureOut">
-              <a:rPr lang="ko-KR" altLang="en-US" smtClean="0"/>
+              <a:rPr lang="ko-KR" altLang="en-US"/>
+              <a:pPr lvl="0">
+                <a:defRPr lang="ko-KR" altLang="en-US"/>
+              </a:pPr>
               <a:t>2019-07-20</a:t>
             </a:fld>
             <a:endParaRPr lang="ko-KR" altLang="en-US"/>
@@ -315,6 +327,13 @@
           <a:bodyPr/>
           <a:lstStyle/>
           <a:p>
+            <a:pPr lvl="0">
+              <a:defRPr lang="ko-KR" altLang="en-US"/>
+            </a:pPr>
+            <a:r>
+              <a:rPr lang="ko-KR" altLang="en-US"/>
+              <a:t/>
+            </a:r>
             <a:endParaRPr lang="ko-KR" altLang="en-US"/>
           </a:p>
         </p:txBody>
@@ -334,8 +353,14 @@
           <a:bodyPr/>
           <a:lstStyle/>
           <a:p>
+            <a:pPr lvl="0">
+              <a:defRPr lang="ko-KR" altLang="en-US"/>
+            </a:pPr>
             <a:fld id="{FFA6DB5F-FAA9-4143-94A1-356915AE1780}" type="slidenum">
-              <a:rPr lang="ko-KR" altLang="en-US" smtClean="0"/>
+              <a:rPr lang="ko-KR" altLang="en-US"/>
+              <a:pPr lvl="0">
+                <a:defRPr lang="ko-KR" altLang="en-US"/>
+              </a:pPr>
               <a:t>‹#›</a:t>
             </a:fld>
             <a:endParaRPr lang="ko-KR" altLang="en-US"/>
@@ -343,11 +368,6 @@
         </p:txBody>
       </p:sp>
     </p:spTree>
-    <p:extLst>
-      <p:ext uri="{BB962C8B-B14F-4D97-AF65-F5344CB8AC3E}">
-        <p14:creationId xmlns:p14="http://schemas.microsoft.com/office/powerpoint/2010/main" val="2749565596"/>
-      </p:ext>
-    </p:extLst>
   </p:cSld>
   <p:clrMapOvr>
     <a:masterClrMapping/>
@@ -356,7 +376,7 @@
 </file>
 
 <file path=ppt/slideLayouts/slideLayout10.xml><?xml version="1.0" encoding="utf-8"?>
-<p:sldLayout xmlns:a="http://schemas.openxmlformats.org/drawingml/2006/main" xmlns:r="http://schemas.openxmlformats.org/officeDocument/2006/relationships" xmlns:p="http://schemas.openxmlformats.org/presentationml/2006/main" type="vertTx" preserve="1">
+<p:sldLayout xmlns:r="http://schemas.openxmlformats.org/officeDocument/2006/relationships" xmlns:c="http://schemas.openxmlformats.org/drawingml/2006/chart" xmlns:a="http://schemas.openxmlformats.org/drawingml/2006/main" xmlns:dgm="http://schemas.openxmlformats.org/drawingml/2006/diagram" xmlns:dsp="http://schemas.microsoft.com/office/drawing/2008/diagram" xmlns:p="http://schemas.openxmlformats.org/presentationml/2006/main" showMasterPhAnim="1" matchingName="제목 및 세로 텍스트" type="vertTx" preserve="1">
   <p:cSld name="제목 및 세로 텍스트">
     <p:spTree>
       <p:nvGrpSpPr>
@@ -379,7 +399,7 @@
             <a:spLocks noGrp="1"/>
           </p:cNvSpPr>
           <p:nvPr>
-            <p:ph type="title"/>
+            <p:ph type="title" idx="0"/>
           </p:nvPr>
         </p:nvSpPr>
         <p:spPr/>
@@ -387,8 +407,11 @@
           <a:bodyPr/>
           <a:lstStyle/>
           <a:p>
-            <a:r>
-              <a:rPr lang="ko-KR" altLang="en-US" smtClean="0"/>
+            <a:pPr lvl="0">
+              <a:defRPr lang="ko-KR" altLang="en-US"/>
+            </a:pPr>
+            <a:r>
+              <a:rPr lang="ko-KR" altLang="en-US"/>
               <a:t>마스터 제목 스타일 편집</a:t>
             </a:r>
             <a:endParaRPr lang="ko-KR" altLang="en-US"/>
@@ -410,37 +433,51 @@
           <a:bodyPr vert="eaVert"/>
           <a:lstStyle/>
           <a:p>
-            <a:pPr lvl="0"/>
-            <a:r>
-              <a:rPr lang="ko-KR" altLang="en-US" smtClean="0"/>
+            <a:pPr lvl="0">
+              <a:defRPr lang="ko-KR" altLang="en-US"/>
+            </a:pPr>
+            <a:r>
+              <a:rPr lang="ko-KR" altLang="en-US"/>
               <a:t>마스터 텍스트 스타일을 편집합니다</a:t>
             </a:r>
-          </a:p>
-          <a:p>
-            <a:pPr lvl="1"/>
-            <a:r>
-              <a:rPr lang="ko-KR" altLang="en-US" smtClean="0"/>
+            <a:endParaRPr lang="ko-KR" altLang="en-US"/>
+          </a:p>
+          <a:p>
+            <a:pPr lvl="1">
+              <a:defRPr lang="ko-KR" altLang="en-US"/>
+            </a:pPr>
+            <a:r>
+              <a:rPr lang="ko-KR" altLang="en-US"/>
               <a:t>둘째 수준</a:t>
             </a:r>
-          </a:p>
-          <a:p>
-            <a:pPr lvl="2"/>
-            <a:r>
-              <a:rPr lang="ko-KR" altLang="en-US" smtClean="0"/>
+            <a:endParaRPr lang="ko-KR" altLang="en-US"/>
+          </a:p>
+          <a:p>
+            <a:pPr lvl="2">
+              <a:defRPr lang="ko-KR" altLang="en-US"/>
+            </a:pPr>
+            <a:r>
+              <a:rPr lang="ko-KR" altLang="en-US"/>
               <a:t>셋째 수준</a:t>
             </a:r>
-          </a:p>
-          <a:p>
-            <a:pPr lvl="3"/>
-            <a:r>
-              <a:rPr lang="ko-KR" altLang="en-US" smtClean="0"/>
+            <a:endParaRPr lang="ko-KR" altLang="en-US"/>
+          </a:p>
+          <a:p>
+            <a:pPr lvl="3">
+              <a:defRPr lang="ko-KR" altLang="en-US"/>
+            </a:pPr>
+            <a:r>
+              <a:rPr lang="ko-KR" altLang="en-US"/>
               <a:t>넷째 수준</a:t>
             </a:r>
-          </a:p>
-          <a:p>
-            <a:pPr lvl="4"/>
-            <a:r>
-              <a:rPr lang="ko-KR" altLang="en-US" smtClean="0"/>
+            <a:endParaRPr lang="ko-KR" altLang="en-US"/>
+          </a:p>
+          <a:p>
+            <a:pPr lvl="4">
+              <a:defRPr lang="ko-KR" altLang="en-US"/>
+            </a:pPr>
+            <a:r>
+              <a:rPr lang="ko-KR" altLang="en-US"/>
               <a:t>다섯째 수준</a:t>
             </a:r>
             <a:endParaRPr lang="ko-KR" altLang="en-US"/>
@@ -462,8 +499,14 @@
           <a:bodyPr/>
           <a:lstStyle/>
           <a:p>
+            <a:pPr lvl="0">
+              <a:defRPr lang="ko-KR" altLang="en-US"/>
+            </a:pPr>
             <a:fld id="{33CA8B54-4754-4F08-AF2B-4F4AA1279EF4}" type="datetimeFigureOut">
-              <a:rPr lang="ko-KR" altLang="en-US" smtClean="0"/>
+              <a:rPr lang="ko-KR" altLang="en-US"/>
+              <a:pPr lvl="0">
+                <a:defRPr lang="ko-KR" altLang="en-US"/>
+              </a:pPr>
               <a:t>2019-07-20</a:t>
             </a:fld>
             <a:endParaRPr lang="ko-KR" altLang="en-US"/>
@@ -485,6 +528,13 @@
           <a:bodyPr/>
           <a:lstStyle/>
           <a:p>
+            <a:pPr lvl="0">
+              <a:defRPr lang="ko-KR" altLang="en-US"/>
+            </a:pPr>
+            <a:r>
+              <a:rPr lang="ko-KR" altLang="en-US"/>
+              <a:t/>
+            </a:r>
             <a:endParaRPr lang="ko-KR" altLang="en-US"/>
           </a:p>
         </p:txBody>
@@ -504,8 +554,14 @@
           <a:bodyPr/>
           <a:lstStyle/>
           <a:p>
+            <a:pPr lvl="0">
+              <a:defRPr lang="ko-KR" altLang="en-US"/>
+            </a:pPr>
             <a:fld id="{FFA6DB5F-FAA9-4143-94A1-356915AE1780}" type="slidenum">
-              <a:rPr lang="ko-KR" altLang="en-US" smtClean="0"/>
+              <a:rPr lang="ko-KR" altLang="en-US"/>
+              <a:pPr lvl="0">
+                <a:defRPr lang="ko-KR" altLang="en-US"/>
+              </a:pPr>
               <a:t>‹#›</a:t>
             </a:fld>
             <a:endParaRPr lang="ko-KR" altLang="en-US"/>
@@ -513,11 +569,6 @@
         </p:txBody>
       </p:sp>
     </p:spTree>
-    <p:extLst>
-      <p:ext uri="{BB962C8B-B14F-4D97-AF65-F5344CB8AC3E}">
-        <p14:creationId xmlns:p14="http://schemas.microsoft.com/office/powerpoint/2010/main" val="2306960340"/>
-      </p:ext>
-    </p:extLst>
   </p:cSld>
   <p:clrMapOvr>
     <a:masterClrMapping/>
@@ -526,7 +577,7 @@
 </file>
 
 <file path=ppt/slideLayouts/slideLayout11.xml><?xml version="1.0" encoding="utf-8"?>
-<p:sldLayout xmlns:a="http://schemas.openxmlformats.org/drawingml/2006/main" xmlns:r="http://schemas.openxmlformats.org/officeDocument/2006/relationships" xmlns:p="http://schemas.openxmlformats.org/presentationml/2006/main" type="vertTitleAndTx" preserve="1">
+<p:sldLayout xmlns:r="http://schemas.openxmlformats.org/officeDocument/2006/relationships" xmlns:c="http://schemas.openxmlformats.org/drawingml/2006/chart" xmlns:a="http://schemas.openxmlformats.org/drawingml/2006/main" xmlns:dgm="http://schemas.openxmlformats.org/drawingml/2006/diagram" xmlns:dsp="http://schemas.microsoft.com/office/drawing/2008/diagram" xmlns:p="http://schemas.openxmlformats.org/presentationml/2006/main" showMasterPhAnim="1" matchingName="세로 제목 및 텍스트" type="vertTitleAndTx" preserve="1">
   <p:cSld name="세로 제목 및 텍스트">
     <p:spTree>
       <p:nvGrpSpPr>
@@ -549,7 +600,7 @@
             <a:spLocks noGrp="1"/>
           </p:cNvSpPr>
           <p:nvPr>
-            <p:ph type="title" orient="vert"/>
+            <p:ph type="title" orient="vert" idx="0"/>
           </p:nvPr>
         </p:nvSpPr>
         <p:spPr>
@@ -562,8 +613,11 @@
           <a:bodyPr vert="eaVert"/>
           <a:lstStyle/>
           <a:p>
-            <a:r>
-              <a:rPr lang="ko-KR" altLang="en-US" smtClean="0"/>
+            <a:pPr lvl="0">
+              <a:defRPr lang="ko-KR" altLang="en-US"/>
+            </a:pPr>
+            <a:r>
+              <a:rPr lang="ko-KR" altLang="en-US"/>
               <a:t>마스터 제목 스타일 편집</a:t>
             </a:r>
             <a:endParaRPr lang="ko-KR" altLang="en-US"/>
@@ -590,37 +644,51 @@
           <a:bodyPr vert="eaVert"/>
           <a:lstStyle/>
           <a:p>
-            <a:pPr lvl="0"/>
-            <a:r>
-              <a:rPr lang="ko-KR" altLang="en-US" smtClean="0"/>
+            <a:pPr lvl="0">
+              <a:defRPr lang="ko-KR" altLang="en-US"/>
+            </a:pPr>
+            <a:r>
+              <a:rPr lang="ko-KR" altLang="en-US"/>
               <a:t>마스터 텍스트 스타일을 편집합니다</a:t>
             </a:r>
-          </a:p>
-          <a:p>
-            <a:pPr lvl="1"/>
-            <a:r>
-              <a:rPr lang="ko-KR" altLang="en-US" smtClean="0"/>
+            <a:endParaRPr lang="ko-KR" altLang="en-US"/>
+          </a:p>
+          <a:p>
+            <a:pPr lvl="1">
+              <a:defRPr lang="ko-KR" altLang="en-US"/>
+            </a:pPr>
+            <a:r>
+              <a:rPr lang="ko-KR" altLang="en-US"/>
               <a:t>둘째 수준</a:t>
             </a:r>
-          </a:p>
-          <a:p>
-            <a:pPr lvl="2"/>
-            <a:r>
-              <a:rPr lang="ko-KR" altLang="en-US" smtClean="0"/>
+            <a:endParaRPr lang="ko-KR" altLang="en-US"/>
+          </a:p>
+          <a:p>
+            <a:pPr lvl="2">
+              <a:defRPr lang="ko-KR" altLang="en-US"/>
+            </a:pPr>
+            <a:r>
+              <a:rPr lang="ko-KR" altLang="en-US"/>
               <a:t>셋째 수준</a:t>
             </a:r>
-          </a:p>
-          <a:p>
-            <a:pPr lvl="3"/>
-            <a:r>
-              <a:rPr lang="ko-KR" altLang="en-US" smtClean="0"/>
+            <a:endParaRPr lang="ko-KR" altLang="en-US"/>
+          </a:p>
+          <a:p>
+            <a:pPr lvl="3">
+              <a:defRPr lang="ko-KR" altLang="en-US"/>
+            </a:pPr>
+            <a:r>
+              <a:rPr lang="ko-KR" altLang="en-US"/>
               <a:t>넷째 수준</a:t>
             </a:r>
-          </a:p>
-          <a:p>
-            <a:pPr lvl="4"/>
-            <a:r>
-              <a:rPr lang="ko-KR" altLang="en-US" smtClean="0"/>
+            <a:endParaRPr lang="ko-KR" altLang="en-US"/>
+          </a:p>
+          <a:p>
+            <a:pPr lvl="4">
+              <a:defRPr lang="ko-KR" altLang="en-US"/>
+            </a:pPr>
+            <a:r>
+              <a:rPr lang="ko-KR" altLang="en-US"/>
               <a:t>다섯째 수준</a:t>
             </a:r>
             <a:endParaRPr lang="ko-KR" altLang="en-US"/>
@@ -642,8 +710,14 @@
           <a:bodyPr/>
           <a:lstStyle/>
           <a:p>
+            <a:pPr lvl="0">
+              <a:defRPr lang="ko-KR" altLang="en-US"/>
+            </a:pPr>
             <a:fld id="{33CA8B54-4754-4F08-AF2B-4F4AA1279EF4}" type="datetimeFigureOut">
-              <a:rPr lang="ko-KR" altLang="en-US" smtClean="0"/>
+              <a:rPr lang="ko-KR" altLang="en-US"/>
+              <a:pPr lvl="0">
+                <a:defRPr lang="ko-KR" altLang="en-US"/>
+              </a:pPr>
               <a:t>2019-07-20</a:t>
             </a:fld>
             <a:endParaRPr lang="ko-KR" altLang="en-US"/>
@@ -665,6 +739,13 @@
           <a:bodyPr/>
           <a:lstStyle/>
           <a:p>
+            <a:pPr lvl="0">
+              <a:defRPr lang="ko-KR" altLang="en-US"/>
+            </a:pPr>
+            <a:r>
+              <a:rPr lang="ko-KR" altLang="en-US"/>
+              <a:t/>
+            </a:r>
             <a:endParaRPr lang="ko-KR" altLang="en-US"/>
           </a:p>
         </p:txBody>
@@ -684,8 +765,14 @@
           <a:bodyPr/>
           <a:lstStyle/>
           <a:p>
+            <a:pPr lvl="0">
+              <a:defRPr lang="ko-KR" altLang="en-US"/>
+            </a:pPr>
             <a:fld id="{FFA6DB5F-FAA9-4143-94A1-356915AE1780}" type="slidenum">
-              <a:rPr lang="ko-KR" altLang="en-US" smtClean="0"/>
+              <a:rPr lang="ko-KR" altLang="en-US"/>
+              <a:pPr lvl="0">
+                <a:defRPr lang="ko-KR" altLang="en-US"/>
+              </a:pPr>
               <a:t>‹#›</a:t>
             </a:fld>
             <a:endParaRPr lang="ko-KR" altLang="en-US"/>
@@ -693,11 +780,6 @@
         </p:txBody>
       </p:sp>
     </p:spTree>
-    <p:extLst>
-      <p:ext uri="{BB962C8B-B14F-4D97-AF65-F5344CB8AC3E}">
-        <p14:creationId xmlns:p14="http://schemas.microsoft.com/office/powerpoint/2010/main" val="3582450198"/>
-      </p:ext>
-    </p:extLst>
   </p:cSld>
   <p:clrMapOvr>
     <a:masterClrMapping/>
@@ -706,7 +788,7 @@
 </file>
 
 <file path=ppt/slideLayouts/slideLayout2.xml><?xml version="1.0" encoding="utf-8"?>
-<p:sldLayout xmlns:a="http://schemas.openxmlformats.org/drawingml/2006/main" xmlns:r="http://schemas.openxmlformats.org/officeDocument/2006/relationships" xmlns:p="http://schemas.openxmlformats.org/presentationml/2006/main" type="obj" preserve="1">
+<p:sldLayout xmlns:r="http://schemas.openxmlformats.org/officeDocument/2006/relationships" xmlns:c="http://schemas.openxmlformats.org/drawingml/2006/chart" xmlns:a="http://schemas.openxmlformats.org/drawingml/2006/main" xmlns:dgm="http://schemas.openxmlformats.org/drawingml/2006/diagram" xmlns:dsp="http://schemas.microsoft.com/office/drawing/2008/diagram" xmlns:p="http://schemas.openxmlformats.org/presentationml/2006/main" showMasterPhAnim="1" matchingName="제목 및 내용" type="obj" preserve="1">
   <p:cSld name="제목 및 내용">
     <p:spTree>
       <p:nvGrpSpPr>
@@ -729,7 +811,7 @@
             <a:spLocks noGrp="1"/>
           </p:cNvSpPr>
           <p:nvPr>
-            <p:ph type="title"/>
+            <p:ph type="title" idx="0"/>
           </p:nvPr>
         </p:nvSpPr>
         <p:spPr/>
@@ -737,8 +819,11 @@
           <a:bodyPr/>
           <a:lstStyle/>
           <a:p>
-            <a:r>
-              <a:rPr lang="ko-KR" altLang="en-US" smtClean="0"/>
+            <a:pPr lvl="0">
+              <a:defRPr lang="ko-KR" altLang="en-US"/>
+            </a:pPr>
+            <a:r>
+              <a:rPr lang="ko-KR" altLang="en-US"/>
               <a:t>마스터 제목 스타일 편집</a:t>
             </a:r>
             <a:endParaRPr lang="ko-KR" altLang="en-US"/>
@@ -760,37 +845,51 @@
           <a:bodyPr/>
           <a:lstStyle/>
           <a:p>
-            <a:pPr lvl="0"/>
-            <a:r>
-              <a:rPr lang="ko-KR" altLang="en-US" smtClean="0"/>
+            <a:pPr lvl="0">
+              <a:defRPr lang="ko-KR" altLang="en-US"/>
+            </a:pPr>
+            <a:r>
+              <a:rPr lang="ko-KR" altLang="en-US"/>
               <a:t>마스터 텍스트 스타일을 편집합니다</a:t>
             </a:r>
-          </a:p>
-          <a:p>
-            <a:pPr lvl="1"/>
-            <a:r>
-              <a:rPr lang="ko-KR" altLang="en-US" smtClean="0"/>
+            <a:endParaRPr lang="ko-KR" altLang="en-US"/>
+          </a:p>
+          <a:p>
+            <a:pPr lvl="1">
+              <a:defRPr lang="ko-KR" altLang="en-US"/>
+            </a:pPr>
+            <a:r>
+              <a:rPr lang="ko-KR" altLang="en-US"/>
               <a:t>둘째 수준</a:t>
             </a:r>
-          </a:p>
-          <a:p>
-            <a:pPr lvl="2"/>
-            <a:r>
-              <a:rPr lang="ko-KR" altLang="en-US" smtClean="0"/>
+            <a:endParaRPr lang="ko-KR" altLang="en-US"/>
+          </a:p>
+          <a:p>
+            <a:pPr lvl="2">
+              <a:defRPr lang="ko-KR" altLang="en-US"/>
+            </a:pPr>
+            <a:r>
+              <a:rPr lang="ko-KR" altLang="en-US"/>
               <a:t>셋째 수준</a:t>
             </a:r>
-          </a:p>
-          <a:p>
-            <a:pPr lvl="3"/>
-            <a:r>
-              <a:rPr lang="ko-KR" altLang="en-US" smtClean="0"/>
+            <a:endParaRPr lang="ko-KR" altLang="en-US"/>
+          </a:p>
+          <a:p>
+            <a:pPr lvl="3">
+              <a:defRPr lang="ko-KR" altLang="en-US"/>
+            </a:pPr>
+            <a:r>
+              <a:rPr lang="ko-KR" altLang="en-US"/>
               <a:t>넷째 수준</a:t>
             </a:r>
-          </a:p>
-          <a:p>
-            <a:pPr lvl="4"/>
-            <a:r>
-              <a:rPr lang="ko-KR" altLang="en-US" smtClean="0"/>
+            <a:endParaRPr lang="ko-KR" altLang="en-US"/>
+          </a:p>
+          <a:p>
+            <a:pPr lvl="4">
+              <a:defRPr lang="ko-KR" altLang="en-US"/>
+            </a:pPr>
+            <a:r>
+              <a:rPr lang="ko-KR" altLang="en-US"/>
               <a:t>다섯째 수준</a:t>
             </a:r>
             <a:endParaRPr lang="ko-KR" altLang="en-US"/>
@@ -812,8 +911,14 @@
           <a:bodyPr/>
           <a:lstStyle/>
           <a:p>
+            <a:pPr lvl="0">
+              <a:defRPr lang="ko-KR" altLang="en-US"/>
+            </a:pPr>
             <a:fld id="{33CA8B54-4754-4F08-AF2B-4F4AA1279EF4}" type="datetimeFigureOut">
-              <a:rPr lang="ko-KR" altLang="en-US" smtClean="0"/>
+              <a:rPr lang="ko-KR" altLang="en-US"/>
+              <a:pPr lvl="0">
+                <a:defRPr lang="ko-KR" altLang="en-US"/>
+              </a:pPr>
               <a:t>2019-07-20</a:t>
             </a:fld>
             <a:endParaRPr lang="ko-KR" altLang="en-US"/>
@@ -835,6 +940,13 @@
           <a:bodyPr/>
           <a:lstStyle/>
           <a:p>
+            <a:pPr lvl="0">
+              <a:defRPr lang="ko-KR" altLang="en-US"/>
+            </a:pPr>
+            <a:r>
+              <a:rPr lang="ko-KR" altLang="en-US"/>
+              <a:t/>
+            </a:r>
             <a:endParaRPr lang="ko-KR" altLang="en-US"/>
           </a:p>
         </p:txBody>
@@ -854,8 +966,14 @@
           <a:bodyPr/>
           <a:lstStyle/>
           <a:p>
+            <a:pPr lvl="0">
+              <a:defRPr lang="ko-KR" altLang="en-US"/>
+            </a:pPr>
             <a:fld id="{FFA6DB5F-FAA9-4143-94A1-356915AE1780}" type="slidenum">
-              <a:rPr lang="ko-KR" altLang="en-US" smtClean="0"/>
+              <a:rPr lang="ko-KR" altLang="en-US"/>
+              <a:pPr lvl="0">
+                <a:defRPr lang="ko-KR" altLang="en-US"/>
+              </a:pPr>
               <a:t>‹#›</a:t>
             </a:fld>
             <a:endParaRPr lang="ko-KR" altLang="en-US"/>
@@ -863,11 +981,6 @@
         </p:txBody>
       </p:sp>
     </p:spTree>
-    <p:extLst>
-      <p:ext uri="{BB962C8B-B14F-4D97-AF65-F5344CB8AC3E}">
-        <p14:creationId xmlns:p14="http://schemas.microsoft.com/office/powerpoint/2010/main" val="417067726"/>
-      </p:ext>
-    </p:extLst>
   </p:cSld>
   <p:clrMapOvr>
     <a:masterClrMapping/>
@@ -876,7 +989,7 @@
 </file>
 
 <file path=ppt/slideLayouts/slideLayout3.xml><?xml version="1.0" encoding="utf-8"?>
-<p:sldLayout xmlns:a="http://schemas.openxmlformats.org/drawingml/2006/main" xmlns:r="http://schemas.openxmlformats.org/officeDocument/2006/relationships" xmlns:p="http://schemas.openxmlformats.org/presentationml/2006/main" type="secHead" preserve="1">
+<p:sldLayout xmlns:r="http://schemas.openxmlformats.org/officeDocument/2006/relationships" xmlns:c="http://schemas.openxmlformats.org/drawingml/2006/chart" xmlns:a="http://schemas.openxmlformats.org/drawingml/2006/main" xmlns:dgm="http://schemas.openxmlformats.org/drawingml/2006/diagram" xmlns:dsp="http://schemas.microsoft.com/office/drawing/2008/diagram" xmlns:p="http://schemas.openxmlformats.org/presentationml/2006/main" showMasterPhAnim="1" matchingName="구역 머리글" type="secHead" preserve="1">
   <p:cSld name="구역 머리글">
     <p:spTree>
       <p:nvGrpSpPr>
@@ -899,7 +1012,7 @@
             <a:spLocks noGrp="1"/>
           </p:cNvSpPr>
           <p:nvPr>
-            <p:ph type="title"/>
+            <p:ph type="title" idx="0"/>
           </p:nvPr>
         </p:nvSpPr>
         <p:spPr>
@@ -916,8 +1029,11 @@
             </a:lvl1pPr>
           </a:lstStyle>
           <a:p>
-            <a:r>
-              <a:rPr lang="ko-KR" altLang="en-US" smtClean="0"/>
+            <a:pPr lvl="0">
+              <a:defRPr lang="ko-KR" altLang="en-US"/>
+            </a:pPr>
+            <a:r>
+              <a:rPr lang="ko-KR" altLang="en-US"/>
               <a:t>마스터 제목 스타일 편집</a:t>
             </a:r>
             <a:endParaRPr lang="ko-KR" altLang="en-US"/>
@@ -1035,11 +1151,14 @@
             </a:lvl9pPr>
           </a:lstStyle>
           <a:p>
-            <a:pPr lvl="0"/>
-            <a:r>
-              <a:rPr lang="ko-KR" altLang="en-US" smtClean="0"/>
+            <a:pPr lvl="0">
+              <a:defRPr lang="ko-KR" altLang="en-US"/>
+            </a:pPr>
+            <a:r>
+              <a:rPr lang="ko-KR" altLang="en-US"/>
               <a:t>마스터 텍스트 스타일을 편집합니다</a:t>
             </a:r>
+            <a:endParaRPr lang="ko-KR" altLang="en-US"/>
           </a:p>
         </p:txBody>
       </p:sp>
@@ -1058,8 +1177,14 @@
           <a:bodyPr/>
           <a:lstStyle/>
           <a:p>
+            <a:pPr lvl="0">
+              <a:defRPr lang="ko-KR" altLang="en-US"/>
+            </a:pPr>
             <a:fld id="{33CA8B54-4754-4F08-AF2B-4F4AA1279EF4}" type="datetimeFigureOut">
-              <a:rPr lang="ko-KR" altLang="en-US" smtClean="0"/>
+              <a:rPr lang="ko-KR" altLang="en-US"/>
+              <a:pPr lvl="0">
+                <a:defRPr lang="ko-KR" altLang="en-US"/>
+              </a:pPr>
               <a:t>2019-07-20</a:t>
             </a:fld>
             <a:endParaRPr lang="ko-KR" altLang="en-US"/>
@@ -1081,6 +1206,13 @@
           <a:bodyPr/>
           <a:lstStyle/>
           <a:p>
+            <a:pPr lvl="0">
+              <a:defRPr lang="ko-KR" altLang="en-US"/>
+            </a:pPr>
+            <a:r>
+              <a:rPr lang="ko-KR" altLang="en-US"/>
+              <a:t/>
+            </a:r>
             <a:endParaRPr lang="ko-KR" altLang="en-US"/>
           </a:p>
         </p:txBody>
@@ -1100,8 +1232,14 @@
           <a:bodyPr/>
           <a:lstStyle/>
           <a:p>
+            <a:pPr lvl="0">
+              <a:defRPr lang="ko-KR" altLang="en-US"/>
+            </a:pPr>
             <a:fld id="{FFA6DB5F-FAA9-4143-94A1-356915AE1780}" type="slidenum">
-              <a:rPr lang="ko-KR" altLang="en-US" smtClean="0"/>
+              <a:rPr lang="ko-KR" altLang="en-US"/>
+              <a:pPr lvl="0">
+                <a:defRPr lang="ko-KR" altLang="en-US"/>
+              </a:pPr>
               <a:t>‹#›</a:t>
             </a:fld>
             <a:endParaRPr lang="ko-KR" altLang="en-US"/>
@@ -1109,11 +1247,6 @@
         </p:txBody>
       </p:sp>
     </p:spTree>
-    <p:extLst>
-      <p:ext uri="{BB962C8B-B14F-4D97-AF65-F5344CB8AC3E}">
-        <p14:creationId xmlns:p14="http://schemas.microsoft.com/office/powerpoint/2010/main" val="770851613"/>
-      </p:ext>
-    </p:extLst>
   </p:cSld>
   <p:clrMapOvr>
     <a:masterClrMapping/>
@@ -1122,7 +1255,7 @@
 </file>
 
 <file path=ppt/slideLayouts/slideLayout4.xml><?xml version="1.0" encoding="utf-8"?>
-<p:sldLayout xmlns:a="http://schemas.openxmlformats.org/drawingml/2006/main" xmlns:r="http://schemas.openxmlformats.org/officeDocument/2006/relationships" xmlns:p="http://schemas.openxmlformats.org/presentationml/2006/main" type="twoObj" preserve="1">
+<p:sldLayout xmlns:r="http://schemas.openxmlformats.org/officeDocument/2006/relationships" xmlns:c="http://schemas.openxmlformats.org/drawingml/2006/chart" xmlns:a="http://schemas.openxmlformats.org/drawingml/2006/main" xmlns:dgm="http://schemas.openxmlformats.org/drawingml/2006/diagram" xmlns:dsp="http://schemas.microsoft.com/office/drawing/2008/diagram" xmlns:p="http://schemas.openxmlformats.org/presentationml/2006/main" showMasterPhAnim="1" matchingName="콘텐츠 2개" type="twoObj" preserve="1">
   <p:cSld name="콘텐츠 2개">
     <p:spTree>
       <p:nvGrpSpPr>
@@ -1145,7 +1278,7 @@
             <a:spLocks noGrp="1"/>
           </p:cNvSpPr>
           <p:nvPr>
-            <p:ph type="title"/>
+            <p:ph type="title" idx="0"/>
           </p:nvPr>
         </p:nvSpPr>
         <p:spPr/>
@@ -1153,8 +1286,11 @@
           <a:bodyPr/>
           <a:lstStyle/>
           <a:p>
-            <a:r>
-              <a:rPr lang="ko-KR" altLang="en-US" smtClean="0"/>
+            <a:pPr lvl="0">
+              <a:defRPr lang="ko-KR" altLang="en-US"/>
+            </a:pPr>
+            <a:r>
+              <a:rPr lang="ko-KR" altLang="en-US"/>
               <a:t>마스터 제목 스타일 편집</a:t>
             </a:r>
             <a:endParaRPr lang="ko-KR" altLang="en-US"/>
@@ -1209,37 +1345,51 @@
             </a:lvl9pPr>
           </a:lstStyle>
           <a:p>
-            <a:pPr lvl="0"/>
-            <a:r>
-              <a:rPr lang="ko-KR" altLang="en-US" smtClean="0"/>
+            <a:pPr lvl="0">
+              <a:defRPr lang="ko-KR" altLang="en-US"/>
+            </a:pPr>
+            <a:r>
+              <a:rPr lang="ko-KR" altLang="en-US"/>
               <a:t>마스터 텍스트 스타일을 편집합니다</a:t>
             </a:r>
-          </a:p>
-          <a:p>
-            <a:pPr lvl="1"/>
-            <a:r>
-              <a:rPr lang="ko-KR" altLang="en-US" smtClean="0"/>
+            <a:endParaRPr lang="ko-KR" altLang="en-US"/>
+          </a:p>
+          <a:p>
+            <a:pPr lvl="1">
+              <a:defRPr lang="ko-KR" altLang="en-US"/>
+            </a:pPr>
+            <a:r>
+              <a:rPr lang="ko-KR" altLang="en-US"/>
               <a:t>둘째 수준</a:t>
             </a:r>
-          </a:p>
-          <a:p>
-            <a:pPr lvl="2"/>
-            <a:r>
-              <a:rPr lang="ko-KR" altLang="en-US" smtClean="0"/>
+            <a:endParaRPr lang="ko-KR" altLang="en-US"/>
+          </a:p>
+          <a:p>
+            <a:pPr lvl="2">
+              <a:defRPr lang="ko-KR" altLang="en-US"/>
+            </a:pPr>
+            <a:r>
+              <a:rPr lang="ko-KR" altLang="en-US"/>
               <a:t>셋째 수준</a:t>
             </a:r>
-          </a:p>
-          <a:p>
-            <a:pPr lvl="3"/>
-            <a:r>
-              <a:rPr lang="ko-KR" altLang="en-US" smtClean="0"/>
+            <a:endParaRPr lang="ko-KR" altLang="en-US"/>
+          </a:p>
+          <a:p>
+            <a:pPr lvl="3">
+              <a:defRPr lang="ko-KR" altLang="en-US"/>
+            </a:pPr>
+            <a:r>
+              <a:rPr lang="ko-KR" altLang="en-US"/>
               <a:t>넷째 수준</a:t>
             </a:r>
-          </a:p>
-          <a:p>
-            <a:pPr lvl="4"/>
-            <a:r>
-              <a:rPr lang="ko-KR" altLang="en-US" smtClean="0"/>
+            <a:endParaRPr lang="ko-KR" altLang="en-US"/>
+          </a:p>
+          <a:p>
+            <a:pPr lvl="4">
+              <a:defRPr lang="ko-KR" altLang="en-US"/>
+            </a:pPr>
+            <a:r>
+              <a:rPr lang="ko-KR" altLang="en-US"/>
               <a:t>다섯째 수준</a:t>
             </a:r>
             <a:endParaRPr lang="ko-KR" altLang="en-US"/>
@@ -1294,37 +1444,51 @@
             </a:lvl9pPr>
           </a:lstStyle>
           <a:p>
-            <a:pPr lvl="0"/>
-            <a:r>
-              <a:rPr lang="ko-KR" altLang="en-US" smtClean="0"/>
+            <a:pPr lvl="0">
+              <a:defRPr lang="ko-KR" altLang="en-US"/>
+            </a:pPr>
+            <a:r>
+              <a:rPr lang="ko-KR" altLang="en-US"/>
               <a:t>마스터 텍스트 스타일을 편집합니다</a:t>
             </a:r>
-          </a:p>
-          <a:p>
-            <a:pPr lvl="1"/>
-            <a:r>
-              <a:rPr lang="ko-KR" altLang="en-US" smtClean="0"/>
+            <a:endParaRPr lang="ko-KR" altLang="en-US"/>
+          </a:p>
+          <a:p>
+            <a:pPr lvl="1">
+              <a:defRPr lang="ko-KR" altLang="en-US"/>
+            </a:pPr>
+            <a:r>
+              <a:rPr lang="ko-KR" altLang="en-US"/>
               <a:t>둘째 수준</a:t>
             </a:r>
-          </a:p>
-          <a:p>
-            <a:pPr lvl="2"/>
-            <a:r>
-              <a:rPr lang="ko-KR" altLang="en-US" smtClean="0"/>
+            <a:endParaRPr lang="ko-KR" altLang="en-US"/>
+          </a:p>
+          <a:p>
+            <a:pPr lvl="2">
+              <a:defRPr lang="ko-KR" altLang="en-US"/>
+            </a:pPr>
+            <a:r>
+              <a:rPr lang="ko-KR" altLang="en-US"/>
               <a:t>셋째 수준</a:t>
             </a:r>
-          </a:p>
-          <a:p>
-            <a:pPr lvl="3"/>
-            <a:r>
-              <a:rPr lang="ko-KR" altLang="en-US" smtClean="0"/>
+            <a:endParaRPr lang="ko-KR" altLang="en-US"/>
+          </a:p>
+          <a:p>
+            <a:pPr lvl="3">
+              <a:defRPr lang="ko-KR" altLang="en-US"/>
+            </a:pPr>
+            <a:r>
+              <a:rPr lang="ko-KR" altLang="en-US"/>
               <a:t>넷째 수준</a:t>
             </a:r>
-          </a:p>
-          <a:p>
-            <a:pPr lvl="4"/>
-            <a:r>
-              <a:rPr lang="ko-KR" altLang="en-US" smtClean="0"/>
+            <a:endParaRPr lang="ko-KR" altLang="en-US"/>
+          </a:p>
+          <a:p>
+            <a:pPr lvl="4">
+              <a:defRPr lang="ko-KR" altLang="en-US"/>
+            </a:pPr>
+            <a:r>
+              <a:rPr lang="ko-KR" altLang="en-US"/>
               <a:t>다섯째 수준</a:t>
             </a:r>
             <a:endParaRPr lang="ko-KR" altLang="en-US"/>
@@ -1346,8 +1510,14 @@
           <a:bodyPr/>
           <a:lstStyle/>
           <a:p>
+            <a:pPr lvl="0">
+              <a:defRPr lang="ko-KR" altLang="en-US"/>
+            </a:pPr>
             <a:fld id="{33CA8B54-4754-4F08-AF2B-4F4AA1279EF4}" type="datetimeFigureOut">
-              <a:rPr lang="ko-KR" altLang="en-US" smtClean="0"/>
+              <a:rPr lang="ko-KR" altLang="en-US"/>
+              <a:pPr lvl="0">
+                <a:defRPr lang="ko-KR" altLang="en-US"/>
+              </a:pPr>
               <a:t>2019-07-20</a:t>
             </a:fld>
             <a:endParaRPr lang="ko-KR" altLang="en-US"/>
@@ -1369,6 +1539,13 @@
           <a:bodyPr/>
           <a:lstStyle/>
           <a:p>
+            <a:pPr lvl="0">
+              <a:defRPr lang="ko-KR" altLang="en-US"/>
+            </a:pPr>
+            <a:r>
+              <a:rPr lang="ko-KR" altLang="en-US"/>
+              <a:t/>
+            </a:r>
             <a:endParaRPr lang="ko-KR" altLang="en-US"/>
           </a:p>
         </p:txBody>
@@ -1388,8 +1565,14 @@
           <a:bodyPr/>
           <a:lstStyle/>
           <a:p>
+            <a:pPr lvl="0">
+              <a:defRPr lang="ko-KR" altLang="en-US"/>
+            </a:pPr>
             <a:fld id="{FFA6DB5F-FAA9-4143-94A1-356915AE1780}" type="slidenum">
-              <a:rPr lang="ko-KR" altLang="en-US" smtClean="0"/>
+              <a:rPr lang="ko-KR" altLang="en-US"/>
+              <a:pPr lvl="0">
+                <a:defRPr lang="ko-KR" altLang="en-US"/>
+              </a:pPr>
               <a:t>‹#›</a:t>
             </a:fld>
             <a:endParaRPr lang="ko-KR" altLang="en-US"/>
@@ -1397,11 +1580,6 @@
         </p:txBody>
       </p:sp>
     </p:spTree>
-    <p:extLst>
-      <p:ext uri="{BB962C8B-B14F-4D97-AF65-F5344CB8AC3E}">
-        <p14:creationId xmlns:p14="http://schemas.microsoft.com/office/powerpoint/2010/main" val="4161278299"/>
-      </p:ext>
-    </p:extLst>
   </p:cSld>
   <p:clrMapOvr>
     <a:masterClrMapping/>
@@ -1410,7 +1588,7 @@
 </file>
 
 <file path=ppt/slideLayouts/slideLayout5.xml><?xml version="1.0" encoding="utf-8"?>
-<p:sldLayout xmlns:a="http://schemas.openxmlformats.org/drawingml/2006/main" xmlns:r="http://schemas.openxmlformats.org/officeDocument/2006/relationships" xmlns:p="http://schemas.openxmlformats.org/presentationml/2006/main" type="twoTxTwoObj" preserve="1">
+<p:sldLayout xmlns:r="http://schemas.openxmlformats.org/officeDocument/2006/relationships" xmlns:c="http://schemas.openxmlformats.org/drawingml/2006/chart" xmlns:a="http://schemas.openxmlformats.org/drawingml/2006/main" xmlns:dgm="http://schemas.openxmlformats.org/drawingml/2006/diagram" xmlns:dsp="http://schemas.microsoft.com/office/drawing/2008/diagram" xmlns:p="http://schemas.openxmlformats.org/presentationml/2006/main" showMasterPhAnim="1" matchingName="비교" type="twoTxTwoObj" preserve="1">
   <p:cSld name="비교">
     <p:spTree>
       <p:nvGrpSpPr>
@@ -1433,7 +1611,7 @@
             <a:spLocks noGrp="1"/>
           </p:cNvSpPr>
           <p:nvPr>
-            <p:ph type="title"/>
+            <p:ph type="title" idx="0"/>
           </p:nvPr>
         </p:nvSpPr>
         <p:spPr/>
@@ -1445,8 +1623,11 @@
             </a:lvl1pPr>
           </a:lstStyle>
           <a:p>
-            <a:r>
-              <a:rPr lang="ko-KR" altLang="en-US" smtClean="0"/>
+            <a:pPr lvl="0">
+              <a:defRPr lang="ko-KR" altLang="en-US"/>
+            </a:pPr>
+            <a:r>
+              <a:rPr lang="ko-KR" altLang="en-US"/>
               <a:t>마스터 제목 스타일 편집</a:t>
             </a:r>
             <a:endParaRPr lang="ko-KR" altLang="en-US"/>
@@ -1510,11 +1691,14 @@
             </a:lvl9pPr>
           </a:lstStyle>
           <a:p>
-            <a:pPr lvl="0"/>
-            <a:r>
-              <a:rPr lang="ko-KR" altLang="en-US" smtClean="0"/>
+            <a:pPr lvl="0">
+              <a:defRPr lang="ko-KR" altLang="en-US"/>
+            </a:pPr>
+            <a:r>
+              <a:rPr lang="ko-KR" altLang="en-US"/>
               <a:t>마스터 텍스트 스타일을 편집합니다</a:t>
             </a:r>
+            <a:endParaRPr lang="ko-KR" altLang="en-US"/>
           </a:p>
         </p:txBody>
       </p:sp>
@@ -1566,37 +1750,51 @@
             </a:lvl9pPr>
           </a:lstStyle>
           <a:p>
-            <a:pPr lvl="0"/>
-            <a:r>
-              <a:rPr lang="ko-KR" altLang="en-US" smtClean="0"/>
+            <a:pPr lvl="0">
+              <a:defRPr lang="ko-KR" altLang="en-US"/>
+            </a:pPr>
+            <a:r>
+              <a:rPr lang="ko-KR" altLang="en-US"/>
               <a:t>마스터 텍스트 스타일을 편집합니다</a:t>
             </a:r>
-          </a:p>
-          <a:p>
-            <a:pPr lvl="1"/>
-            <a:r>
-              <a:rPr lang="ko-KR" altLang="en-US" smtClean="0"/>
+            <a:endParaRPr lang="ko-KR" altLang="en-US"/>
+          </a:p>
+          <a:p>
+            <a:pPr lvl="1">
+              <a:defRPr lang="ko-KR" altLang="en-US"/>
+            </a:pPr>
+            <a:r>
+              <a:rPr lang="ko-KR" altLang="en-US"/>
               <a:t>둘째 수준</a:t>
             </a:r>
-          </a:p>
-          <a:p>
-            <a:pPr lvl="2"/>
-            <a:r>
-              <a:rPr lang="ko-KR" altLang="en-US" smtClean="0"/>
+            <a:endParaRPr lang="ko-KR" altLang="en-US"/>
+          </a:p>
+          <a:p>
+            <a:pPr lvl="2">
+              <a:defRPr lang="ko-KR" altLang="en-US"/>
+            </a:pPr>
+            <a:r>
+              <a:rPr lang="ko-KR" altLang="en-US"/>
               <a:t>셋째 수준</a:t>
             </a:r>
-          </a:p>
-          <a:p>
-            <a:pPr lvl="3"/>
-            <a:r>
-              <a:rPr lang="ko-KR" altLang="en-US" smtClean="0"/>
+            <a:endParaRPr lang="ko-KR" altLang="en-US"/>
+          </a:p>
+          <a:p>
+            <a:pPr lvl="3">
+              <a:defRPr lang="ko-KR" altLang="en-US"/>
+            </a:pPr>
+            <a:r>
+              <a:rPr lang="ko-KR" altLang="en-US"/>
               <a:t>넷째 수준</a:t>
             </a:r>
-          </a:p>
-          <a:p>
-            <a:pPr lvl="4"/>
-            <a:r>
-              <a:rPr lang="ko-KR" altLang="en-US" smtClean="0"/>
+            <a:endParaRPr lang="ko-KR" altLang="en-US"/>
+          </a:p>
+          <a:p>
+            <a:pPr lvl="4">
+              <a:defRPr lang="ko-KR" altLang="en-US"/>
+            </a:pPr>
+            <a:r>
+              <a:rPr lang="ko-KR" altLang="en-US"/>
               <a:t>다섯째 수준</a:t>
             </a:r>
             <a:endParaRPr lang="ko-KR" altLang="en-US"/>
@@ -1660,11 +1858,14 @@
             </a:lvl9pPr>
           </a:lstStyle>
           <a:p>
-            <a:pPr lvl="0"/>
-            <a:r>
-              <a:rPr lang="ko-KR" altLang="en-US" smtClean="0"/>
+            <a:pPr lvl="0">
+              <a:defRPr lang="ko-KR" altLang="en-US"/>
+            </a:pPr>
+            <a:r>
+              <a:rPr lang="ko-KR" altLang="en-US"/>
               <a:t>마스터 텍스트 스타일을 편집합니다</a:t>
             </a:r>
+            <a:endParaRPr lang="ko-KR" altLang="en-US"/>
           </a:p>
         </p:txBody>
       </p:sp>
@@ -1716,37 +1917,51 @@
             </a:lvl9pPr>
           </a:lstStyle>
           <a:p>
-            <a:pPr lvl="0"/>
-            <a:r>
-              <a:rPr lang="ko-KR" altLang="en-US" smtClean="0"/>
+            <a:pPr lvl="0">
+              <a:defRPr lang="ko-KR" altLang="en-US"/>
+            </a:pPr>
+            <a:r>
+              <a:rPr lang="ko-KR" altLang="en-US"/>
               <a:t>마스터 텍스트 스타일을 편집합니다</a:t>
             </a:r>
-          </a:p>
-          <a:p>
-            <a:pPr lvl="1"/>
-            <a:r>
-              <a:rPr lang="ko-KR" altLang="en-US" smtClean="0"/>
+            <a:endParaRPr lang="ko-KR" altLang="en-US"/>
+          </a:p>
+          <a:p>
+            <a:pPr lvl="1">
+              <a:defRPr lang="ko-KR" altLang="en-US"/>
+            </a:pPr>
+            <a:r>
+              <a:rPr lang="ko-KR" altLang="en-US"/>
               <a:t>둘째 수준</a:t>
             </a:r>
-          </a:p>
-          <a:p>
-            <a:pPr lvl="2"/>
-            <a:r>
-              <a:rPr lang="ko-KR" altLang="en-US" smtClean="0"/>
+            <a:endParaRPr lang="ko-KR" altLang="en-US"/>
+          </a:p>
+          <a:p>
+            <a:pPr lvl="2">
+              <a:defRPr lang="ko-KR" altLang="en-US"/>
+            </a:pPr>
+            <a:r>
+              <a:rPr lang="ko-KR" altLang="en-US"/>
               <a:t>셋째 수준</a:t>
             </a:r>
-          </a:p>
-          <a:p>
-            <a:pPr lvl="3"/>
-            <a:r>
-              <a:rPr lang="ko-KR" altLang="en-US" smtClean="0"/>
+            <a:endParaRPr lang="ko-KR" altLang="en-US"/>
+          </a:p>
+          <a:p>
+            <a:pPr lvl="3">
+              <a:defRPr lang="ko-KR" altLang="en-US"/>
+            </a:pPr>
+            <a:r>
+              <a:rPr lang="ko-KR" altLang="en-US"/>
               <a:t>넷째 수준</a:t>
             </a:r>
-          </a:p>
-          <a:p>
-            <a:pPr lvl="4"/>
-            <a:r>
-              <a:rPr lang="ko-KR" altLang="en-US" smtClean="0"/>
+            <a:endParaRPr lang="ko-KR" altLang="en-US"/>
+          </a:p>
+          <a:p>
+            <a:pPr lvl="4">
+              <a:defRPr lang="ko-KR" altLang="en-US"/>
+            </a:pPr>
+            <a:r>
+              <a:rPr lang="ko-KR" altLang="en-US"/>
               <a:t>다섯째 수준</a:t>
             </a:r>
             <a:endParaRPr lang="ko-KR" altLang="en-US"/>
@@ -1768,8 +1983,14 @@
           <a:bodyPr/>
           <a:lstStyle/>
           <a:p>
+            <a:pPr lvl="0">
+              <a:defRPr lang="ko-KR" altLang="en-US"/>
+            </a:pPr>
             <a:fld id="{33CA8B54-4754-4F08-AF2B-4F4AA1279EF4}" type="datetimeFigureOut">
-              <a:rPr lang="ko-KR" altLang="en-US" smtClean="0"/>
+              <a:rPr lang="ko-KR" altLang="en-US"/>
+              <a:pPr lvl="0">
+                <a:defRPr lang="ko-KR" altLang="en-US"/>
+              </a:pPr>
               <a:t>2019-07-20</a:t>
             </a:fld>
             <a:endParaRPr lang="ko-KR" altLang="en-US"/>
@@ -1791,6 +2012,13 @@
           <a:bodyPr/>
           <a:lstStyle/>
           <a:p>
+            <a:pPr lvl="0">
+              <a:defRPr lang="ko-KR" altLang="en-US"/>
+            </a:pPr>
+            <a:r>
+              <a:rPr lang="ko-KR" altLang="en-US"/>
+              <a:t/>
+            </a:r>
             <a:endParaRPr lang="ko-KR" altLang="en-US"/>
           </a:p>
         </p:txBody>
@@ -1810,8 +2038,14 @@
           <a:bodyPr/>
           <a:lstStyle/>
           <a:p>
+            <a:pPr lvl="0">
+              <a:defRPr lang="ko-KR" altLang="en-US"/>
+            </a:pPr>
             <a:fld id="{FFA6DB5F-FAA9-4143-94A1-356915AE1780}" type="slidenum">
-              <a:rPr lang="ko-KR" altLang="en-US" smtClean="0"/>
+              <a:rPr lang="ko-KR" altLang="en-US"/>
+              <a:pPr lvl="0">
+                <a:defRPr lang="ko-KR" altLang="en-US"/>
+              </a:pPr>
               <a:t>‹#›</a:t>
             </a:fld>
             <a:endParaRPr lang="ko-KR" altLang="en-US"/>
@@ -1819,11 +2053,6 @@
         </p:txBody>
       </p:sp>
     </p:spTree>
-    <p:extLst>
-      <p:ext uri="{BB962C8B-B14F-4D97-AF65-F5344CB8AC3E}">
-        <p14:creationId xmlns:p14="http://schemas.microsoft.com/office/powerpoint/2010/main" val="2097690655"/>
-      </p:ext>
-    </p:extLst>
   </p:cSld>
   <p:clrMapOvr>
     <a:masterClrMapping/>
@@ -1832,7 +2061,7 @@
 </file>
 
 <file path=ppt/slideLayouts/slideLayout6.xml><?xml version="1.0" encoding="utf-8"?>
-<p:sldLayout xmlns:a="http://schemas.openxmlformats.org/drawingml/2006/main" xmlns:r="http://schemas.openxmlformats.org/officeDocument/2006/relationships" xmlns:p="http://schemas.openxmlformats.org/presentationml/2006/main" type="titleOnly" preserve="1">
+<p:sldLayout xmlns:r="http://schemas.openxmlformats.org/officeDocument/2006/relationships" xmlns:c="http://schemas.openxmlformats.org/drawingml/2006/chart" xmlns:a="http://schemas.openxmlformats.org/drawingml/2006/main" xmlns:dgm="http://schemas.openxmlformats.org/drawingml/2006/diagram" xmlns:dsp="http://schemas.microsoft.com/office/drawing/2008/diagram" xmlns:p="http://schemas.openxmlformats.org/presentationml/2006/main" showMasterPhAnim="1" matchingName="제목만" type="titleOnly" preserve="1">
   <p:cSld name="제목만">
     <p:spTree>
       <p:nvGrpSpPr>
@@ -1855,7 +2084,7 @@
             <a:spLocks noGrp="1"/>
           </p:cNvSpPr>
           <p:nvPr>
-            <p:ph type="title"/>
+            <p:ph type="title" idx="0"/>
           </p:nvPr>
         </p:nvSpPr>
         <p:spPr/>
@@ -1863,8 +2092,11 @@
           <a:bodyPr/>
           <a:lstStyle/>
           <a:p>
-            <a:r>
-              <a:rPr lang="ko-KR" altLang="en-US" smtClean="0"/>
+            <a:pPr lvl="0">
+              <a:defRPr lang="ko-KR" altLang="en-US"/>
+            </a:pPr>
+            <a:r>
+              <a:rPr lang="ko-KR" altLang="en-US"/>
               <a:t>마스터 제목 스타일 편집</a:t>
             </a:r>
             <a:endParaRPr lang="ko-KR" altLang="en-US"/>
@@ -1886,8 +2118,14 @@
           <a:bodyPr/>
           <a:lstStyle/>
           <a:p>
+            <a:pPr lvl="0">
+              <a:defRPr lang="ko-KR" altLang="en-US"/>
+            </a:pPr>
             <a:fld id="{33CA8B54-4754-4F08-AF2B-4F4AA1279EF4}" type="datetimeFigureOut">
-              <a:rPr lang="ko-KR" altLang="en-US" smtClean="0"/>
+              <a:rPr lang="ko-KR" altLang="en-US"/>
+              <a:pPr lvl="0">
+                <a:defRPr lang="ko-KR" altLang="en-US"/>
+              </a:pPr>
               <a:t>2019-07-20</a:t>
             </a:fld>
             <a:endParaRPr lang="ko-KR" altLang="en-US"/>
@@ -1909,6 +2147,13 @@
           <a:bodyPr/>
           <a:lstStyle/>
           <a:p>
+            <a:pPr lvl="0">
+              <a:defRPr lang="ko-KR" altLang="en-US"/>
+            </a:pPr>
+            <a:r>
+              <a:rPr lang="ko-KR" altLang="en-US"/>
+              <a:t/>
+            </a:r>
             <a:endParaRPr lang="ko-KR" altLang="en-US"/>
           </a:p>
         </p:txBody>
@@ -1928,8 +2173,14 @@
           <a:bodyPr/>
           <a:lstStyle/>
           <a:p>
+            <a:pPr lvl="0">
+              <a:defRPr lang="ko-KR" altLang="en-US"/>
+            </a:pPr>
             <a:fld id="{FFA6DB5F-FAA9-4143-94A1-356915AE1780}" type="slidenum">
-              <a:rPr lang="ko-KR" altLang="en-US" smtClean="0"/>
+              <a:rPr lang="ko-KR" altLang="en-US"/>
+              <a:pPr lvl="0">
+                <a:defRPr lang="ko-KR" altLang="en-US"/>
+              </a:pPr>
               <a:t>‹#›</a:t>
             </a:fld>
             <a:endParaRPr lang="ko-KR" altLang="en-US"/>
@@ -1937,11 +2188,6 @@
         </p:txBody>
       </p:sp>
     </p:spTree>
-    <p:extLst>
-      <p:ext uri="{BB962C8B-B14F-4D97-AF65-F5344CB8AC3E}">
-        <p14:creationId xmlns:p14="http://schemas.microsoft.com/office/powerpoint/2010/main" val="3658151969"/>
-      </p:ext>
-    </p:extLst>
   </p:cSld>
   <p:clrMapOvr>
     <a:masterClrMapping/>
@@ -1950,7 +2196,7 @@
 </file>
 
 <file path=ppt/slideLayouts/slideLayout7.xml><?xml version="1.0" encoding="utf-8"?>
-<p:sldLayout xmlns:a="http://schemas.openxmlformats.org/drawingml/2006/main" xmlns:r="http://schemas.openxmlformats.org/officeDocument/2006/relationships" xmlns:p="http://schemas.openxmlformats.org/presentationml/2006/main" type="blank" preserve="1">
+<p:sldLayout xmlns:r="http://schemas.openxmlformats.org/officeDocument/2006/relationships" xmlns:c="http://schemas.openxmlformats.org/drawingml/2006/chart" xmlns:a="http://schemas.openxmlformats.org/drawingml/2006/main" xmlns:dgm="http://schemas.openxmlformats.org/drawingml/2006/diagram" xmlns:dsp="http://schemas.microsoft.com/office/drawing/2008/diagram" xmlns:p="http://schemas.openxmlformats.org/presentationml/2006/main" showMasterPhAnim="1" matchingName="빈 화면" type="blank" preserve="1">
   <p:cSld name="빈 화면">
     <p:spTree>
       <p:nvGrpSpPr>
@@ -1981,8 +2227,14 @@
           <a:bodyPr/>
           <a:lstStyle/>
           <a:p>
+            <a:pPr lvl="0">
+              <a:defRPr lang="ko-KR" altLang="en-US"/>
+            </a:pPr>
             <a:fld id="{33CA8B54-4754-4F08-AF2B-4F4AA1279EF4}" type="datetimeFigureOut">
-              <a:rPr lang="ko-KR" altLang="en-US" smtClean="0"/>
+              <a:rPr lang="ko-KR" altLang="en-US"/>
+              <a:pPr lvl="0">
+                <a:defRPr lang="ko-KR" altLang="en-US"/>
+              </a:pPr>
               <a:t>2019-07-20</a:t>
             </a:fld>
             <a:endParaRPr lang="ko-KR" altLang="en-US"/>
@@ -2004,6 +2256,13 @@
           <a:bodyPr/>
           <a:lstStyle/>
           <a:p>
+            <a:pPr lvl="0">
+              <a:defRPr lang="ko-KR" altLang="en-US"/>
+            </a:pPr>
+            <a:r>
+              <a:rPr lang="ko-KR" altLang="en-US"/>
+              <a:t/>
+            </a:r>
             <a:endParaRPr lang="ko-KR" altLang="en-US"/>
           </a:p>
         </p:txBody>
@@ -2023,8 +2282,14 @@
           <a:bodyPr/>
           <a:lstStyle/>
           <a:p>
+            <a:pPr lvl="0">
+              <a:defRPr lang="ko-KR" altLang="en-US"/>
+            </a:pPr>
             <a:fld id="{FFA6DB5F-FAA9-4143-94A1-356915AE1780}" type="slidenum">
-              <a:rPr lang="ko-KR" altLang="en-US" smtClean="0"/>
+              <a:rPr lang="ko-KR" altLang="en-US"/>
+              <a:pPr lvl="0">
+                <a:defRPr lang="ko-KR" altLang="en-US"/>
+              </a:pPr>
               <a:t>‹#›</a:t>
             </a:fld>
             <a:endParaRPr lang="ko-KR" altLang="en-US"/>
@@ -2032,11 +2297,6 @@
         </p:txBody>
       </p:sp>
     </p:spTree>
-    <p:extLst>
-      <p:ext uri="{BB962C8B-B14F-4D97-AF65-F5344CB8AC3E}">
-        <p14:creationId xmlns:p14="http://schemas.microsoft.com/office/powerpoint/2010/main" val="3669490986"/>
-      </p:ext>
-    </p:extLst>
   </p:cSld>
   <p:clrMapOvr>
     <a:masterClrMapping/>
@@ -2045,7 +2305,7 @@
 </file>
 
 <file path=ppt/slideLayouts/slideLayout8.xml><?xml version="1.0" encoding="utf-8"?>
-<p:sldLayout xmlns:a="http://schemas.openxmlformats.org/drawingml/2006/main" xmlns:r="http://schemas.openxmlformats.org/officeDocument/2006/relationships" xmlns:p="http://schemas.openxmlformats.org/presentationml/2006/main" type="objTx" preserve="1">
+<p:sldLayout xmlns:r="http://schemas.openxmlformats.org/officeDocument/2006/relationships" xmlns:c="http://schemas.openxmlformats.org/drawingml/2006/chart" xmlns:a="http://schemas.openxmlformats.org/drawingml/2006/main" xmlns:dgm="http://schemas.openxmlformats.org/drawingml/2006/diagram" xmlns:dsp="http://schemas.microsoft.com/office/drawing/2008/diagram" xmlns:p="http://schemas.openxmlformats.org/presentationml/2006/main" showMasterPhAnim="1" matchingName="캡션 있는 콘텐츠" type="objTx" preserve="1">
   <p:cSld name="캡션 있는 콘텐츠">
     <p:spTree>
       <p:nvGrpSpPr>
@@ -2068,7 +2328,7 @@
             <a:spLocks noGrp="1"/>
           </p:cNvSpPr>
           <p:nvPr>
-            <p:ph type="title"/>
+            <p:ph type="title" idx="0"/>
           </p:nvPr>
         </p:nvSpPr>
         <p:spPr>
@@ -2085,8 +2345,11 @@
             </a:lvl1pPr>
           </a:lstStyle>
           <a:p>
-            <a:r>
-              <a:rPr lang="ko-KR" altLang="en-US" smtClean="0"/>
+            <a:pPr lvl="0">
+              <a:defRPr lang="ko-KR" altLang="en-US"/>
+            </a:pPr>
+            <a:r>
+              <a:rPr lang="ko-KR" altLang="en-US"/>
               <a:t>마스터 제목 스타일 편집</a:t>
             </a:r>
             <a:endParaRPr lang="ko-KR" altLang="en-US"/>
@@ -2141,37 +2404,51 @@
             </a:lvl9pPr>
           </a:lstStyle>
           <a:p>
-            <a:pPr lvl="0"/>
-            <a:r>
-              <a:rPr lang="ko-KR" altLang="en-US" smtClean="0"/>
+            <a:pPr lvl="0">
+              <a:defRPr lang="ko-KR" altLang="en-US"/>
+            </a:pPr>
+            <a:r>
+              <a:rPr lang="ko-KR" altLang="en-US"/>
               <a:t>마스터 텍스트 스타일을 편집합니다</a:t>
             </a:r>
-          </a:p>
-          <a:p>
-            <a:pPr lvl="1"/>
-            <a:r>
-              <a:rPr lang="ko-KR" altLang="en-US" smtClean="0"/>
+            <a:endParaRPr lang="ko-KR" altLang="en-US"/>
+          </a:p>
+          <a:p>
+            <a:pPr lvl="1">
+              <a:defRPr lang="ko-KR" altLang="en-US"/>
+            </a:pPr>
+            <a:r>
+              <a:rPr lang="ko-KR" altLang="en-US"/>
               <a:t>둘째 수준</a:t>
             </a:r>
-          </a:p>
-          <a:p>
-            <a:pPr lvl="2"/>
-            <a:r>
-              <a:rPr lang="ko-KR" altLang="en-US" smtClean="0"/>
+            <a:endParaRPr lang="ko-KR" altLang="en-US"/>
+          </a:p>
+          <a:p>
+            <a:pPr lvl="2">
+              <a:defRPr lang="ko-KR" altLang="en-US"/>
+            </a:pPr>
+            <a:r>
+              <a:rPr lang="ko-KR" altLang="en-US"/>
               <a:t>셋째 수준</a:t>
             </a:r>
-          </a:p>
-          <a:p>
-            <a:pPr lvl="3"/>
-            <a:r>
-              <a:rPr lang="ko-KR" altLang="en-US" smtClean="0"/>
+            <a:endParaRPr lang="ko-KR" altLang="en-US"/>
+          </a:p>
+          <a:p>
+            <a:pPr lvl="3">
+              <a:defRPr lang="ko-KR" altLang="en-US"/>
+            </a:pPr>
+            <a:r>
+              <a:rPr lang="ko-KR" altLang="en-US"/>
               <a:t>넷째 수준</a:t>
             </a:r>
-          </a:p>
-          <a:p>
-            <a:pPr lvl="4"/>
-            <a:r>
-              <a:rPr lang="ko-KR" altLang="en-US" smtClean="0"/>
+            <a:endParaRPr lang="ko-KR" altLang="en-US"/>
+          </a:p>
+          <a:p>
+            <a:pPr lvl="4">
+              <a:defRPr lang="ko-KR" altLang="en-US"/>
+            </a:pPr>
+            <a:r>
+              <a:rPr lang="ko-KR" altLang="en-US"/>
               <a:t>다섯째 수준</a:t>
             </a:r>
             <a:endParaRPr lang="ko-KR" altLang="en-US"/>
@@ -2235,11 +2512,14 @@
             </a:lvl9pPr>
           </a:lstStyle>
           <a:p>
-            <a:pPr lvl="0"/>
-            <a:r>
-              <a:rPr lang="ko-KR" altLang="en-US" smtClean="0"/>
+            <a:pPr lvl="0">
+              <a:defRPr lang="ko-KR" altLang="en-US"/>
+            </a:pPr>
+            <a:r>
+              <a:rPr lang="ko-KR" altLang="en-US"/>
               <a:t>마스터 텍스트 스타일을 편집합니다</a:t>
             </a:r>
+            <a:endParaRPr lang="ko-KR" altLang="en-US"/>
           </a:p>
         </p:txBody>
       </p:sp>
@@ -2258,8 +2538,14 @@
           <a:bodyPr/>
           <a:lstStyle/>
           <a:p>
+            <a:pPr lvl="0">
+              <a:defRPr lang="ko-KR" altLang="en-US"/>
+            </a:pPr>
             <a:fld id="{33CA8B54-4754-4F08-AF2B-4F4AA1279EF4}" type="datetimeFigureOut">
-              <a:rPr lang="ko-KR" altLang="en-US" smtClean="0"/>
+              <a:rPr lang="ko-KR" altLang="en-US"/>
+              <a:pPr lvl="0">
+                <a:defRPr lang="ko-KR" altLang="en-US"/>
+              </a:pPr>
               <a:t>2019-07-20</a:t>
             </a:fld>
             <a:endParaRPr lang="ko-KR" altLang="en-US"/>
@@ -2281,6 +2567,13 @@
           <a:bodyPr/>
           <a:lstStyle/>
           <a:p>
+            <a:pPr lvl="0">
+              <a:defRPr lang="ko-KR" altLang="en-US"/>
+            </a:pPr>
+            <a:r>
+              <a:rPr lang="ko-KR" altLang="en-US"/>
+              <a:t/>
+            </a:r>
             <a:endParaRPr lang="ko-KR" altLang="en-US"/>
           </a:p>
         </p:txBody>
@@ -2300,8 +2593,14 @@
           <a:bodyPr/>
           <a:lstStyle/>
           <a:p>
+            <a:pPr lvl="0">
+              <a:defRPr lang="ko-KR" altLang="en-US"/>
+            </a:pPr>
             <a:fld id="{FFA6DB5F-FAA9-4143-94A1-356915AE1780}" type="slidenum">
-              <a:rPr lang="ko-KR" altLang="en-US" smtClean="0"/>
+              <a:rPr lang="ko-KR" altLang="en-US"/>
+              <a:pPr lvl="0">
+                <a:defRPr lang="ko-KR" altLang="en-US"/>
+              </a:pPr>
               <a:t>‹#›</a:t>
             </a:fld>
             <a:endParaRPr lang="ko-KR" altLang="en-US"/>
@@ -2309,11 +2608,6 @@
         </p:txBody>
       </p:sp>
     </p:spTree>
-    <p:extLst>
-      <p:ext uri="{BB962C8B-B14F-4D97-AF65-F5344CB8AC3E}">
-        <p14:creationId xmlns:p14="http://schemas.microsoft.com/office/powerpoint/2010/main" val="2846078905"/>
-      </p:ext>
-    </p:extLst>
   </p:cSld>
   <p:clrMapOvr>
     <a:masterClrMapping/>
@@ -2322,7 +2616,7 @@
 </file>
 
 <file path=ppt/slideLayouts/slideLayout9.xml><?xml version="1.0" encoding="utf-8"?>
-<p:sldLayout xmlns:a="http://schemas.openxmlformats.org/drawingml/2006/main" xmlns:r="http://schemas.openxmlformats.org/officeDocument/2006/relationships" xmlns:p="http://schemas.openxmlformats.org/presentationml/2006/main" type="picTx" preserve="1">
+<p:sldLayout xmlns:r="http://schemas.openxmlformats.org/officeDocument/2006/relationships" xmlns:c="http://schemas.openxmlformats.org/drawingml/2006/chart" xmlns:a="http://schemas.openxmlformats.org/drawingml/2006/main" xmlns:dgm="http://schemas.openxmlformats.org/drawingml/2006/diagram" xmlns:dsp="http://schemas.microsoft.com/office/drawing/2008/diagram" xmlns:p="http://schemas.openxmlformats.org/presentationml/2006/main" showMasterPhAnim="1" matchingName="캡션 있는 그림" type="picTx" preserve="1">
   <p:cSld name="캡션 있는 그림">
     <p:spTree>
       <p:nvGrpSpPr>
@@ -2345,7 +2639,7 @@
             <a:spLocks noGrp="1"/>
           </p:cNvSpPr>
           <p:nvPr>
-            <p:ph type="title"/>
+            <p:ph type="title" idx="0"/>
           </p:nvPr>
         </p:nvSpPr>
         <p:spPr>
@@ -2362,8 +2656,11 @@
             </a:lvl1pPr>
           </a:lstStyle>
           <a:p>
-            <a:r>
-              <a:rPr lang="ko-KR" altLang="en-US" smtClean="0"/>
+            <a:pPr lvl="0">
+              <a:defRPr lang="ko-KR" altLang="en-US"/>
+            </a:pPr>
+            <a:r>
+              <a:rPr lang="ko-KR" altLang="en-US"/>
               <a:t>마스터 제목 스타일 편집</a:t>
             </a:r>
             <a:endParaRPr lang="ko-KR" altLang="en-US"/>
@@ -2374,7 +2671,7 @@
         <p:nvSpPr>
           <p:cNvPr id="3" name="그림 개체 틀 2"/>
           <p:cNvSpPr>
-            <a:spLocks noGrp="1"/>
+            <a:spLocks noGrp="1" noTextEdit="1"/>
           </p:cNvSpPr>
           <p:nvPr>
             <p:ph type="pic" idx="1"/>
@@ -2427,6 +2724,13 @@
             </a:lvl9pPr>
           </a:lstStyle>
           <a:p>
+            <a:pPr lvl="0">
+              <a:defRPr lang="ko-KR" altLang="en-US"/>
+            </a:pPr>
+            <a:r>
+              <a:rPr lang="ko-KR" altLang="en-US"/>
+              <a:t/>
+            </a:r>
             <a:endParaRPr lang="ko-KR" altLang="en-US"/>
           </a:p>
         </p:txBody>
@@ -2488,11 +2792,14 @@
             </a:lvl9pPr>
           </a:lstStyle>
           <a:p>
-            <a:pPr lvl="0"/>
-            <a:r>
-              <a:rPr lang="ko-KR" altLang="en-US" smtClean="0"/>
+            <a:pPr lvl="0">
+              <a:defRPr lang="ko-KR" altLang="en-US"/>
+            </a:pPr>
+            <a:r>
+              <a:rPr lang="ko-KR" altLang="en-US"/>
               <a:t>마스터 텍스트 스타일을 편집합니다</a:t>
             </a:r>
+            <a:endParaRPr lang="ko-KR" altLang="en-US"/>
           </a:p>
         </p:txBody>
       </p:sp>
@@ -2511,8 +2818,14 @@
           <a:bodyPr/>
           <a:lstStyle/>
           <a:p>
+            <a:pPr lvl="0">
+              <a:defRPr lang="ko-KR" altLang="en-US"/>
+            </a:pPr>
             <a:fld id="{33CA8B54-4754-4F08-AF2B-4F4AA1279EF4}" type="datetimeFigureOut">
-              <a:rPr lang="ko-KR" altLang="en-US" smtClean="0"/>
+              <a:rPr lang="ko-KR" altLang="en-US"/>
+              <a:pPr lvl="0">
+                <a:defRPr lang="ko-KR" altLang="en-US"/>
+              </a:pPr>
               <a:t>2019-07-20</a:t>
             </a:fld>
             <a:endParaRPr lang="ko-KR" altLang="en-US"/>
@@ -2534,6 +2847,13 @@
           <a:bodyPr/>
           <a:lstStyle/>
           <a:p>
+            <a:pPr lvl="0">
+              <a:defRPr lang="ko-KR" altLang="en-US"/>
+            </a:pPr>
+            <a:r>
+              <a:rPr lang="ko-KR" altLang="en-US"/>
+              <a:t/>
+            </a:r>
             <a:endParaRPr lang="ko-KR" altLang="en-US"/>
           </a:p>
         </p:txBody>
@@ -2553,8 +2873,14 @@
           <a:bodyPr/>
           <a:lstStyle/>
           <a:p>
+            <a:pPr lvl="0">
+              <a:defRPr lang="ko-KR" altLang="en-US"/>
+            </a:pPr>
             <a:fld id="{FFA6DB5F-FAA9-4143-94A1-356915AE1780}" type="slidenum">
-              <a:rPr lang="ko-KR" altLang="en-US" smtClean="0"/>
+              <a:rPr lang="ko-KR" altLang="en-US"/>
+              <a:pPr lvl="0">
+                <a:defRPr lang="ko-KR" altLang="en-US"/>
+              </a:pPr>
               <a:t>‹#›</a:t>
             </a:fld>
             <a:endParaRPr lang="ko-KR" altLang="en-US"/>
@@ -2562,11 +2888,6 @@
         </p:txBody>
       </p:sp>
     </p:spTree>
-    <p:extLst>
-      <p:ext uri="{BB962C8B-B14F-4D97-AF65-F5344CB8AC3E}">
-        <p14:creationId xmlns:p14="http://schemas.microsoft.com/office/powerpoint/2010/main" val="1713412384"/>
-      </p:ext>
-    </p:extLst>
   </p:cSld>
   <p:clrMapOvr>
     <a:masterClrMapping/>
@@ -2575,8 +2896,8 @@
 </file>
 
 <file path=ppt/slideMasters/slideMaster1.xml><?xml version="1.0" encoding="utf-8"?>
-<p:sldMaster xmlns:a="http://schemas.openxmlformats.org/drawingml/2006/main" xmlns:r="http://schemas.openxmlformats.org/officeDocument/2006/relationships" xmlns:p="http://schemas.openxmlformats.org/presentationml/2006/main">
-  <p:cSld>
+<p:sldMaster xmlns:r="http://schemas.openxmlformats.org/officeDocument/2006/relationships" xmlns:c="http://schemas.openxmlformats.org/drawingml/2006/chart" xmlns:a="http://schemas.openxmlformats.org/drawingml/2006/main" xmlns:dgm="http://schemas.openxmlformats.org/drawingml/2006/diagram" xmlns:dsp="http://schemas.microsoft.com/office/drawing/2008/diagram" xmlns:p="http://schemas.openxmlformats.org/presentationml/2006/main">
+  <p:cSld name="Office 테마">
     <p:bg>
       <p:bgRef idx="1001">
         <a:schemeClr val="bg1"/>
@@ -2603,7 +2924,7 @@
             <a:spLocks noGrp="1"/>
           </p:cNvSpPr>
           <p:nvPr>
-            <p:ph type="title"/>
+            <p:ph type="title" idx="0"/>
           </p:nvPr>
         </p:nvSpPr>
         <p:spPr>
@@ -2616,13 +2937,16 @@
           </a:prstGeom>
         </p:spPr>
         <p:txBody>
-          <a:bodyPr vert="horz" lIns="91440" tIns="45720" rIns="91440" bIns="45720" rtlCol="0" anchor="ctr">
-            <a:normAutofit/>
+          <a:bodyPr vert="horz" lIns="91440" tIns="45720" rIns="91440" bIns="45720" anchor="ctr">
+            <a:normAutofit lnSpcReduction="0"/>
           </a:bodyPr>
           <a:lstStyle/>
           <a:p>
-            <a:r>
-              <a:rPr lang="ko-KR" altLang="en-US" smtClean="0"/>
+            <a:pPr lvl="0">
+              <a:defRPr lang="ko-KR" altLang="en-US"/>
+            </a:pPr>
+            <a:r>
+              <a:rPr lang="ko-KR" altLang="en-US"/>
               <a:t>마스터 제목 스타일 편집</a:t>
             </a:r>
             <a:endParaRPr lang="ko-KR" altLang="en-US"/>
@@ -2649,42 +2973,56 @@
           </a:prstGeom>
         </p:spPr>
         <p:txBody>
-          <a:bodyPr vert="horz" lIns="91440" tIns="45720" rIns="91440" bIns="45720" rtlCol="0">
-            <a:normAutofit/>
+          <a:bodyPr vert="horz" lIns="91440" tIns="45720" rIns="91440" bIns="45720">
+            <a:normAutofit lnSpcReduction="0"/>
           </a:bodyPr>
           <a:lstStyle/>
           <a:p>
-            <a:pPr lvl="0"/>
-            <a:r>
-              <a:rPr lang="ko-KR" altLang="en-US" smtClean="0"/>
+            <a:pPr lvl="0">
+              <a:defRPr lang="ko-KR" altLang="en-US"/>
+            </a:pPr>
+            <a:r>
+              <a:rPr lang="ko-KR" altLang="en-US"/>
               <a:t>마스터 텍스트 스타일을 편집합니다</a:t>
             </a:r>
-          </a:p>
-          <a:p>
-            <a:pPr lvl="1"/>
-            <a:r>
-              <a:rPr lang="ko-KR" altLang="en-US" smtClean="0"/>
+            <a:endParaRPr lang="ko-KR" altLang="en-US"/>
+          </a:p>
+          <a:p>
+            <a:pPr lvl="1">
+              <a:defRPr lang="ko-KR" altLang="en-US"/>
+            </a:pPr>
+            <a:r>
+              <a:rPr lang="ko-KR" altLang="en-US"/>
               <a:t>둘째 수준</a:t>
             </a:r>
-          </a:p>
-          <a:p>
-            <a:pPr lvl="2"/>
-            <a:r>
-              <a:rPr lang="ko-KR" altLang="en-US" smtClean="0"/>
+            <a:endParaRPr lang="ko-KR" altLang="en-US"/>
+          </a:p>
+          <a:p>
+            <a:pPr lvl="2">
+              <a:defRPr lang="ko-KR" altLang="en-US"/>
+            </a:pPr>
+            <a:r>
+              <a:rPr lang="ko-KR" altLang="en-US"/>
               <a:t>셋째 수준</a:t>
             </a:r>
-          </a:p>
-          <a:p>
-            <a:pPr lvl="3"/>
-            <a:r>
-              <a:rPr lang="ko-KR" altLang="en-US" smtClean="0"/>
+            <a:endParaRPr lang="ko-KR" altLang="en-US"/>
+          </a:p>
+          <a:p>
+            <a:pPr lvl="3">
+              <a:defRPr lang="ko-KR" altLang="en-US"/>
+            </a:pPr>
+            <a:r>
+              <a:rPr lang="ko-KR" altLang="en-US"/>
               <a:t>넷째 수준</a:t>
             </a:r>
-          </a:p>
-          <a:p>
-            <a:pPr lvl="4"/>
-            <a:r>
-              <a:rPr lang="ko-KR" altLang="en-US" smtClean="0"/>
+            <a:endParaRPr lang="ko-KR" altLang="en-US"/>
+          </a:p>
+          <a:p>
+            <a:pPr lvl="4">
+              <a:defRPr lang="ko-KR" altLang="en-US"/>
+            </a:pPr>
+            <a:r>
+              <a:rPr lang="ko-KR" altLang="en-US"/>
               <a:t>다섯째 수준</a:t>
             </a:r>
             <a:endParaRPr lang="ko-KR" altLang="en-US"/>
@@ -2711,7 +3049,7 @@
           </a:prstGeom>
         </p:spPr>
         <p:txBody>
-          <a:bodyPr vert="horz" lIns="91440" tIns="45720" rIns="91440" bIns="45720" rtlCol="0" anchor="ctr"/>
+          <a:bodyPr vert="horz" lIns="91440" tIns="45720" rIns="91440" bIns="45720" anchor="ctr"/>
           <a:lstStyle>
             <a:lvl1pPr algn="l">
               <a:defRPr sz="1200">
@@ -2724,8 +3062,14 @@
             </a:lvl1pPr>
           </a:lstStyle>
           <a:p>
+            <a:pPr lvl="0">
+              <a:defRPr lang="ko-KR" altLang="en-US"/>
+            </a:pPr>
             <a:fld id="{33CA8B54-4754-4F08-AF2B-4F4AA1279EF4}" type="datetimeFigureOut">
-              <a:rPr lang="ko-KR" altLang="en-US" smtClean="0"/>
+              <a:rPr lang="ko-KR" altLang="en-US"/>
+              <a:pPr lvl="0">
+                <a:defRPr lang="ko-KR" altLang="en-US"/>
+              </a:pPr>
               <a:t>2019-07-20</a:t>
             </a:fld>
             <a:endParaRPr lang="ko-KR" altLang="en-US"/>
@@ -2752,7 +3096,7 @@
           </a:prstGeom>
         </p:spPr>
         <p:txBody>
-          <a:bodyPr vert="horz" lIns="91440" tIns="45720" rIns="91440" bIns="45720" rtlCol="0" anchor="ctr"/>
+          <a:bodyPr vert="horz" lIns="91440" tIns="45720" rIns="91440" bIns="45720" anchor="ctr"/>
           <a:lstStyle>
             <a:lvl1pPr algn="ctr">
               <a:defRPr sz="1200">
@@ -2765,6 +3109,13 @@
             </a:lvl1pPr>
           </a:lstStyle>
           <a:p>
+            <a:pPr lvl="0">
+              <a:defRPr lang="ko-KR" altLang="en-US"/>
+            </a:pPr>
+            <a:r>
+              <a:rPr lang="ko-KR" altLang="en-US"/>
+              <a:t/>
+            </a:r>
             <a:endParaRPr lang="ko-KR" altLang="en-US"/>
           </a:p>
         </p:txBody>
@@ -2789,7 +3140,7 @@
           </a:prstGeom>
         </p:spPr>
         <p:txBody>
-          <a:bodyPr vert="horz" lIns="91440" tIns="45720" rIns="91440" bIns="45720" rtlCol="0" anchor="ctr"/>
+          <a:bodyPr vert="horz" lIns="91440" tIns="45720" rIns="91440" bIns="45720" anchor="ctr"/>
           <a:lstStyle>
             <a:lvl1pPr algn="r">
               <a:defRPr sz="1200">
@@ -2802,8 +3153,14 @@
             </a:lvl1pPr>
           </a:lstStyle>
           <a:p>
+            <a:pPr lvl="0">
+              <a:defRPr lang="ko-KR" altLang="en-US"/>
+            </a:pPr>
             <a:fld id="{FFA6DB5F-FAA9-4143-94A1-356915AE1780}" type="slidenum">
-              <a:rPr lang="ko-KR" altLang="en-US" smtClean="0"/>
+              <a:rPr lang="ko-KR" altLang="en-US"/>
+              <a:pPr lvl="0">
+                <a:defRPr lang="ko-KR" altLang="en-US"/>
+              </a:pPr>
               <a:t>‹#›</a:t>
             </a:fld>
             <a:endParaRPr lang="ko-KR" altLang="en-US"/>
@@ -2811,25 +3168,20 @@
         </p:txBody>
       </p:sp>
     </p:spTree>
-    <p:extLst>
-      <p:ext uri="{BB962C8B-B14F-4D97-AF65-F5344CB8AC3E}">
-        <p14:creationId xmlns:p14="http://schemas.microsoft.com/office/powerpoint/2010/main" val="1054552130"/>
-      </p:ext>
-    </p:extLst>
   </p:cSld>
   <p:clrMap bg1="lt1" tx1="dk1" bg2="lt2" tx2="dk2" accent1="accent1" accent2="accent2" accent3="accent3" accent4="accent4" accent5="accent5" accent6="accent6" hlink="hlink" folHlink="folHlink"/>
   <p:sldLayoutIdLst>
-    <p:sldLayoutId id="2147483649" r:id="rId1"/>
-    <p:sldLayoutId id="2147483650" r:id="rId2"/>
-    <p:sldLayoutId id="2147483651" r:id="rId3"/>
-    <p:sldLayoutId id="2147483652" r:id="rId4"/>
-    <p:sldLayoutId id="2147483653" r:id="rId5"/>
-    <p:sldLayoutId id="2147483654" r:id="rId6"/>
-    <p:sldLayoutId id="2147483655" r:id="rId7"/>
-    <p:sldLayoutId id="2147483656" r:id="rId8"/>
-    <p:sldLayoutId id="2147483657" r:id="rId9"/>
-    <p:sldLayoutId id="2147483658" r:id="rId10"/>
-    <p:sldLayoutId id="2147483659" r:id="rId11"/>
+    <p:sldLayoutId id="2147483661" r:id="rId2"/>
+    <p:sldLayoutId id="2147483662" r:id="rId3"/>
+    <p:sldLayoutId id="2147483663" r:id="rId4"/>
+    <p:sldLayoutId id="2147483664" r:id="rId5"/>
+    <p:sldLayoutId id="2147483665" r:id="rId6"/>
+    <p:sldLayoutId id="2147483666" r:id="rId7"/>
+    <p:sldLayoutId id="2147483667" r:id="rId8"/>
+    <p:sldLayoutId id="2147483668" r:id="rId9"/>
+    <p:sldLayoutId id="2147483669" r:id="rId10"/>
+    <p:sldLayoutId id="2147483670" r:id="rId11"/>
+    <p:sldLayoutId id="2147483671" r:id="rId12"/>
   </p:sldLayoutIdLst>
   <p:txStyles>
     <p:titleStyle>
@@ -2853,7 +3205,7 @@
         <a:spcBef>
           <a:spcPct val="20000"/>
         </a:spcBef>
-        <a:buFont typeface="Arial" pitchFamily="34" charset="0"/>
+        <a:buFont typeface="Arial"/>
         <a:buChar char="•"/>
         <a:defRPr sz="3200" kern="1200">
           <a:solidFill>
@@ -2868,7 +3220,7 @@
         <a:spcBef>
           <a:spcPct val="20000"/>
         </a:spcBef>
-        <a:buFont typeface="Arial" pitchFamily="34" charset="0"/>
+        <a:buFont typeface="Arial"/>
         <a:buChar char="–"/>
         <a:defRPr sz="2800" kern="1200">
           <a:solidFill>
@@ -2883,7 +3235,7 @@
         <a:spcBef>
           <a:spcPct val="20000"/>
         </a:spcBef>
-        <a:buFont typeface="Arial" pitchFamily="34" charset="0"/>
+        <a:buFont typeface="Arial"/>
         <a:buChar char="•"/>
         <a:defRPr sz="2400" kern="1200">
           <a:solidFill>
@@ -2898,7 +3250,7 @@
         <a:spcBef>
           <a:spcPct val="20000"/>
         </a:spcBef>
-        <a:buFont typeface="Arial" pitchFamily="34" charset="0"/>
+        <a:buFont typeface="Arial"/>
         <a:buChar char="–"/>
         <a:defRPr sz="2000" kern="1200">
           <a:solidFill>
@@ -2913,7 +3265,7 @@
         <a:spcBef>
           <a:spcPct val="20000"/>
         </a:spcBef>
-        <a:buFont typeface="Arial" pitchFamily="34" charset="0"/>
+        <a:buFont typeface="Arial"/>
         <a:buChar char="»"/>
         <a:defRPr sz="2000" kern="1200">
           <a:solidFill>
@@ -2928,7 +3280,7 @@
         <a:spcBef>
           <a:spcPct val="20000"/>
         </a:spcBef>
-        <a:buFont typeface="Arial" pitchFamily="34" charset="0"/>
+        <a:buFont typeface="Arial"/>
         <a:buChar char="•"/>
         <a:defRPr sz="2000" kern="1200">
           <a:solidFill>
@@ -2943,7 +3295,7 @@
         <a:spcBef>
           <a:spcPct val="20000"/>
         </a:spcBef>
-        <a:buFont typeface="Arial" pitchFamily="34" charset="0"/>
+        <a:buFont typeface="Arial"/>
         <a:buChar char="•"/>
         <a:defRPr sz="2000" kern="1200">
           <a:solidFill>
@@ -2958,7 +3310,7 @@
         <a:spcBef>
           <a:spcPct val="20000"/>
         </a:spcBef>
-        <a:buFont typeface="Arial" pitchFamily="34" charset="0"/>
+        <a:buFont typeface="Arial"/>
         <a:buChar char="•"/>
         <a:defRPr sz="2000" kern="1200">
           <a:solidFill>
@@ -2973,7 +3325,7 @@
         <a:spcBef>
           <a:spcPct val="20000"/>
         </a:spcBef>
-        <a:buFont typeface="Arial" pitchFamily="34" charset="0"/>
+        <a:buFont typeface="Arial"/>
         <a:buChar char="•"/>
         <a:defRPr sz="2000" kern="1200">
           <a:solidFill>
@@ -3085,7 +3437,7 @@
 </file>
 
 <file path=ppt/slides/slide1.xml><?xml version="1.0" encoding="utf-8"?>
-<p:sld xmlns:a="http://schemas.openxmlformats.org/drawingml/2006/main" xmlns:r="http://schemas.openxmlformats.org/officeDocument/2006/relationships" xmlns:p="http://schemas.openxmlformats.org/presentationml/2006/main">
+<p:sld xmlns:r="http://schemas.openxmlformats.org/officeDocument/2006/relationships" xmlns:c="http://schemas.openxmlformats.org/drawingml/2006/chart" xmlns:a="http://schemas.openxmlformats.org/drawingml/2006/main" xmlns:dgm="http://schemas.openxmlformats.org/drawingml/2006/diagram" xmlns:dsp="http://schemas.microsoft.com/office/drawing/2008/diagram" xmlns:p="http://schemas.openxmlformats.org/presentationml/2006/main">
   <p:cSld>
     <p:spTree>
       <p:nvGrpSpPr>
@@ -3139,10 +3491,12 @@
           </a:fontRef>
         </p:style>
         <p:txBody>
-          <a:bodyPr rtlCol="0" anchor="ctr"/>
-          <a:lstStyle/>
-          <a:p>
-            <a:pPr algn="ctr"/>
+          <a:bodyPr anchor="ctr"/>
+          <a:lstStyle/>
+          <a:p>
+            <a:pPr algn="ctr">
+              <a:defRPr lang="ko-KR" altLang="en-US"/>
+            </a:pPr>
             <a:endParaRPr lang="ko-KR" altLang="en-US">
               <a:latin typeface="+mj-lt"/>
             </a:endParaRPr>
@@ -3158,7 +3512,7 @@
         <p:spPr>
           <a:xfrm>
             <a:off x="2555776" y="1052736"/>
-            <a:ext cx="4032448" cy="1200329"/>
+            <a:ext cx="4032448" cy="1183734"/>
           </a:xfrm>
           <a:prstGeom prst="rect">
             <a:avLst/>
@@ -3166,19 +3520,21 @@
           <a:noFill/>
         </p:spPr>
         <p:txBody>
-          <a:bodyPr wrap="square" rtlCol="0">
+          <a:bodyPr wrap="square">
             <a:spAutoFit/>
           </a:bodyPr>
           <a:lstStyle/>
           <a:p>
-            <a:pPr algn="ctr"/>
-            <a:r>
-              <a:rPr lang="en-US" altLang="ko-KR" sz="7200" dirty="0" err="1" smtClean="0">
+            <a:pPr algn="ctr">
+              <a:defRPr lang="ko-KR" altLang="en-US"/>
+            </a:pPr>
+            <a:r>
+              <a:rPr lang="en-US" altLang="ko-KR" sz="7200">
                 <a:latin typeface="+mj-lt"/>
               </a:rPr>
               <a:t>CarChain</a:t>
             </a:r>
-            <a:endParaRPr lang="ko-KR" altLang="en-US" sz="7200" dirty="0">
+            <a:endParaRPr lang="ko-KR" altLang="en-US" sz="7200">
               <a:latin typeface="+mj-lt"/>
             </a:endParaRPr>
           </a:p>
@@ -3193,7 +3549,7 @@
         <p:spPr>
           <a:xfrm>
             <a:off x="6444208" y="4725144"/>
-            <a:ext cx="2007094" cy="400110"/>
+            <a:ext cx="2007094" cy="387876"/>
           </a:xfrm>
           <a:prstGeom prst="rect">
             <a:avLst/>
@@ -3201,31 +3557,24 @@
           <a:noFill/>
         </p:spPr>
         <p:txBody>
-          <a:bodyPr wrap="square" rtlCol="0">
+          <a:bodyPr wrap="square">
             <a:spAutoFit/>
           </a:bodyPr>
           <a:lstStyle/>
           <a:p>
-            <a:pPr algn="r"/>
-            <a:r>
-              <a:rPr lang="ko-KR" altLang="en-US" sz="2000" dirty="0" smtClean="0">
+            <a:pPr algn="r">
+              <a:defRPr lang="ko-KR" altLang="en-US"/>
+            </a:pPr>
+            <a:r>
+              <a:rPr lang="ko-KR" altLang="en-US" sz="2000">
                 <a:solidFill>
                   <a:schemeClr val="bg1"/>
                 </a:solidFill>
                 <a:latin typeface="+mj-lt"/>
               </a:rPr>
-              <a:t>황병</a:t>
-            </a:r>
-            <a:r>
-              <a:rPr lang="ko-KR" altLang="en-US" sz="2000" dirty="0">
-                <a:solidFill>
-                  <a:schemeClr val="bg1"/>
-                </a:solidFill>
-                <a:latin typeface="+mj-lt"/>
-              </a:rPr>
-              <a:t>윤</a:t>
-            </a:r>
-            <a:endParaRPr lang="ko-KR" altLang="en-US" sz="2000" dirty="0">
+              <a:t>황병윤</a:t>
+            </a:r>
+            <a:endParaRPr lang="ko-KR" altLang="en-US" sz="2000">
               <a:solidFill>
                 <a:schemeClr val="bg1"/>
               </a:solidFill>
@@ -3235,27 +3584,15 @@
         </p:txBody>
       </p:sp>
     </p:spTree>
-    <p:extLst>
-      <p:ext uri="{BB962C8B-B14F-4D97-AF65-F5344CB8AC3E}">
-        <p14:creationId xmlns:p14="http://schemas.microsoft.com/office/powerpoint/2010/main" val="195368605"/>
-      </p:ext>
-    </p:extLst>
   </p:cSld>
   <p:clrMapOvr>
     <a:masterClrMapping/>
   </p:clrMapOvr>
-  <p:timing>
-    <p:tnLst>
-      <p:par>
-        <p:cTn id="1" dur="indefinite" restart="never" nodeType="tmRoot"/>
-      </p:par>
-    </p:tnLst>
-  </p:timing>
 </p:sld>
 </file>
 
 <file path=ppt/slides/slide2.xml><?xml version="1.0" encoding="utf-8"?>
-<p:sld xmlns:a="http://schemas.openxmlformats.org/drawingml/2006/main" xmlns:r="http://schemas.openxmlformats.org/officeDocument/2006/relationships" xmlns:p="http://schemas.openxmlformats.org/presentationml/2006/main">
+<p:sld xmlns:r="http://schemas.openxmlformats.org/officeDocument/2006/relationships" xmlns:c="http://schemas.openxmlformats.org/drawingml/2006/chart" xmlns:a="http://schemas.openxmlformats.org/drawingml/2006/main" xmlns:dgm="http://schemas.openxmlformats.org/drawingml/2006/diagram" xmlns:dsp="http://schemas.microsoft.com/office/drawing/2008/diagram" xmlns:p="http://schemas.openxmlformats.org/presentationml/2006/main">
   <p:cSld>
     <p:spTree>
       <p:nvGrpSpPr>
@@ -3305,24 +3642,23 @@
           </a:fontRef>
         </p:style>
         <p:txBody>
-          <a:bodyPr rot="0" spcFirstLastPara="0" vertOverflow="overflow" horzOverflow="overflow" vert="horz" wrap="square" lIns="91440" tIns="45720" rIns="91440" bIns="45720" numCol="1" spcCol="0" rtlCol="0" fromWordArt="0" anchor="ctr" anchorCtr="0" forceAA="0" compatLnSpc="1">
-            <a:prstTxWarp prst="textNoShape">
-              <a:avLst/>
-            </a:prstTxWarp>
+          <a:bodyPr rot="0" vert="horz" wrap="square" lIns="91440" tIns="45720" rIns="91440" bIns="45720" anchor="ctr" anchorCtr="0">
             <a:noAutofit/>
           </a:bodyPr>
           <a:lstStyle/>
           <a:p>
-            <a:pPr algn="ctr"/>
-            <a:r>
-              <a:rPr lang="ko-KR" altLang="en-US" dirty="0" smtClean="0">
+            <a:pPr algn="ctr">
+              <a:defRPr lang="ko-KR" altLang="en-US"/>
+            </a:pPr>
+            <a:r>
+              <a:rPr lang="ko-KR" altLang="en-US">
                 <a:solidFill>
                   <a:schemeClr val="bg1"/>
                 </a:solidFill>
               </a:rPr>
               <a:t>회원 정보수정</a:t>
             </a:r>
-            <a:endParaRPr lang="ko-KR" altLang="en-US" dirty="0">
+            <a:endParaRPr lang="ko-KR" altLang="en-US">
               <a:solidFill>
                 <a:schemeClr val="bg1"/>
               </a:solidFill>
@@ -3347,21 +3683,23 @@
           <a:noFill/>
         </p:spPr>
         <p:txBody>
-          <a:bodyPr wrap="square" rtlCol="0">
+          <a:bodyPr wrap="square">
             <a:spAutoFit/>
           </a:bodyPr>
           <a:lstStyle/>
           <a:p>
-            <a:pPr algn="ctr"/>
-            <a:r>
-              <a:rPr lang="ko-KR" altLang="en-US" b="1" dirty="0" smtClean="0">
+            <a:pPr algn="ctr">
+              <a:defRPr lang="ko-KR" altLang="en-US"/>
+            </a:pPr>
+            <a:r>
+              <a:rPr lang="ko-KR" altLang="en-US" b="1">
                 <a:solidFill>
                   <a:srgbClr val="404153"/>
                 </a:solidFill>
               </a:rPr>
               <a:t>차량</a:t>
             </a:r>
-            <a:endParaRPr lang="ko-KR" altLang="en-US" b="1" dirty="0">
+            <a:endParaRPr lang="ko-KR" altLang="en-US" b="1">
               <a:solidFill>
                 <a:srgbClr val="404153"/>
               </a:solidFill>
@@ -3403,32 +3741,23 @@
           </a:fontRef>
         </p:style>
         <p:txBody>
-          <a:bodyPr rot="0" spcFirstLastPara="0" vertOverflow="overflow" horzOverflow="overflow" vert="horz" wrap="square" lIns="91440" tIns="45720" rIns="91440" bIns="45720" numCol="1" spcCol="0" rtlCol="0" fromWordArt="0" anchor="ctr" anchorCtr="0" forceAA="0" compatLnSpc="1">
-            <a:prstTxWarp prst="textNoShape">
-              <a:avLst/>
-            </a:prstTxWarp>
+          <a:bodyPr rot="0" vert="horz" wrap="square" lIns="91440" tIns="45720" rIns="91440" bIns="45720" anchor="ctr" anchorCtr="0">
             <a:noAutofit/>
           </a:bodyPr>
           <a:lstStyle/>
           <a:p>
-            <a:pPr algn="ctr"/>
-            <a:r>
-              <a:rPr lang="ko-KR" altLang="en-US" dirty="0" err="1" smtClean="0">
+            <a:pPr algn="ctr">
+              <a:defRPr lang="ko-KR" altLang="en-US"/>
+            </a:pPr>
+            <a:r>
+              <a:rPr lang="ko-KR" altLang="en-US">
                 <a:solidFill>
                   <a:schemeClr val="bg1"/>
                 </a:solidFill>
               </a:rPr>
-              <a:t>렌트</a:t>
-            </a:r>
-            <a:r>
-              <a:rPr lang="ko-KR" altLang="en-US" dirty="0" smtClean="0">
-                <a:solidFill>
-                  <a:schemeClr val="bg1"/>
-                </a:solidFill>
-              </a:rPr>
-              <a:t> 차량 조회</a:t>
-            </a:r>
-            <a:endParaRPr lang="ko-KR" altLang="en-US" dirty="0">
+              <a:t>렌트 차량 조회</a:t>
+            </a:r>
+            <a:endParaRPr lang="ko-KR" altLang="en-US">
               <a:solidFill>
                 <a:schemeClr val="bg1"/>
               </a:solidFill>
@@ -3470,24 +3799,23 @@
           </a:fontRef>
         </p:style>
         <p:txBody>
-          <a:bodyPr rot="0" spcFirstLastPara="0" vertOverflow="overflow" horzOverflow="overflow" vert="horz" wrap="square" lIns="91440" tIns="45720" rIns="91440" bIns="45720" numCol="1" spcCol="0" rtlCol="0" fromWordArt="0" anchor="ctr" anchorCtr="0" forceAA="0" compatLnSpc="1">
-            <a:prstTxWarp prst="textNoShape">
-              <a:avLst/>
-            </a:prstTxWarp>
+          <a:bodyPr rot="0" vert="horz" wrap="square" lIns="91440" tIns="45720" rIns="91440" bIns="45720" anchor="ctr" anchorCtr="0">
             <a:noAutofit/>
           </a:bodyPr>
           <a:lstStyle/>
           <a:p>
-            <a:pPr algn="ctr"/>
-            <a:r>
-              <a:rPr lang="ko-KR" altLang="en-US" dirty="0" smtClean="0">
+            <a:pPr algn="ctr">
+              <a:defRPr lang="ko-KR" altLang="en-US"/>
+            </a:pPr>
+            <a:r>
+              <a:rPr lang="ko-KR" altLang="en-US">
                 <a:solidFill>
                   <a:schemeClr val="bg1"/>
                 </a:solidFill>
               </a:rPr>
               <a:t>추후 개선</a:t>
             </a:r>
-            <a:endParaRPr lang="ko-KR" altLang="en-US" dirty="0">
+            <a:endParaRPr lang="ko-KR" altLang="en-US">
               <a:solidFill>
                 <a:schemeClr val="bg1"/>
               </a:solidFill>
@@ -3496,27 +3824,15 @@
         </p:txBody>
       </p:sp>
     </p:spTree>
-    <p:extLst>
-      <p:ext uri="{BB962C8B-B14F-4D97-AF65-F5344CB8AC3E}">
-        <p14:creationId xmlns:p14="http://schemas.microsoft.com/office/powerpoint/2010/main" val="2642508288"/>
-      </p:ext>
-    </p:extLst>
   </p:cSld>
   <p:clrMapOvr>
     <a:masterClrMapping/>
   </p:clrMapOvr>
-  <p:timing>
-    <p:tnLst>
-      <p:par>
-        <p:cTn id="1" dur="indefinite" restart="never" nodeType="tmRoot"/>
-      </p:par>
-    </p:tnLst>
-  </p:timing>
 </p:sld>
 </file>
 
 <file path=ppt/slides/slide3.xml><?xml version="1.0" encoding="utf-8"?>
-<p:sld xmlns:a="http://schemas.openxmlformats.org/drawingml/2006/main" xmlns:r="http://schemas.openxmlformats.org/officeDocument/2006/relationships" xmlns:p="http://schemas.openxmlformats.org/presentationml/2006/main">
+<p:sld xmlns:r="http://schemas.openxmlformats.org/officeDocument/2006/relationships" xmlns:c="http://schemas.openxmlformats.org/drawingml/2006/chart" xmlns:a="http://schemas.openxmlformats.org/drawingml/2006/main" xmlns:dgm="http://schemas.openxmlformats.org/drawingml/2006/diagram" xmlns:dsp="http://schemas.microsoft.com/office/drawing/2008/diagram" xmlns:p="http://schemas.openxmlformats.org/presentationml/2006/main">
   <p:cSld>
     <p:spTree>
       <p:nvGrpSpPr>
@@ -3566,10 +3882,12 @@
           </a:fontRef>
         </p:style>
         <p:txBody>
-          <a:bodyPr rtlCol="0" anchor="ctr"/>
-          <a:lstStyle/>
-          <a:p>
-            <a:pPr algn="ctr"/>
+          <a:bodyPr anchor="ctr"/>
+          <a:lstStyle/>
+          <a:p>
+            <a:pPr algn="ctr">
+              <a:defRPr lang="ko-KR" altLang="en-US"/>
+            </a:pPr>
             <a:endParaRPr lang="ko-KR" altLang="en-US"/>
           </a:p>
         </p:txBody>
@@ -3591,21 +3909,23 @@
           <a:noFill/>
         </p:spPr>
         <p:txBody>
-          <a:bodyPr wrap="square" rtlCol="0">
+          <a:bodyPr wrap="square">
             <a:spAutoFit/>
           </a:bodyPr>
           <a:lstStyle/>
           <a:p>
-            <a:pPr algn="ctr"/>
-            <a:r>
-              <a:rPr lang="en-US" altLang="ko-KR" sz="3200" dirty="0" err="1" smtClean="0">
+            <a:pPr algn="ctr">
+              <a:defRPr lang="ko-KR" altLang="en-US"/>
+            </a:pPr>
+            <a:r>
+              <a:rPr lang="en-US" altLang="ko-KR" sz="3200">
                 <a:solidFill>
                   <a:srgbClr val="404153"/>
                 </a:solidFill>
               </a:rPr>
               <a:t>CarChain</a:t>
             </a:r>
-            <a:endParaRPr lang="ko-KR" altLang="en-US" sz="3200" dirty="0">
+            <a:endParaRPr lang="ko-KR" altLang="en-US" sz="3200">
               <a:solidFill>
                 <a:srgbClr val="404153"/>
               </a:solidFill>
@@ -3622,7 +3942,7 @@
         <p:spPr>
           <a:xfrm>
             <a:off x="1763688" y="4553947"/>
-            <a:ext cx="4320480" cy="1862048"/>
+            <a:ext cx="4644516" cy="1835423"/>
           </a:xfrm>
           <a:prstGeom prst="rect">
             <a:avLst/>
@@ -3630,20 +3950,23 @@
           <a:noFill/>
         </p:spPr>
         <p:txBody>
-          <a:bodyPr wrap="square" rtlCol="0">
+          <a:bodyPr wrap="square">
             <a:spAutoFit/>
           </a:bodyPr>
           <a:lstStyle/>
           <a:p>
-            <a:r>
-              <a:rPr lang="en-US" altLang="ko-KR" sz="11500" dirty="0" smtClean="0">
+            <a:pPr lvl="0">
+              <a:defRPr lang="ko-KR" altLang="en-US"/>
+            </a:pPr>
+            <a:r>
+              <a:rPr lang="en-US" altLang="ko-KR" sz="11500">
                 <a:solidFill>
                   <a:schemeClr val="bg1"/>
                 </a:solidFill>
               </a:rPr>
               <a:t>Rental</a:t>
             </a:r>
-            <a:endParaRPr lang="ko-KR" altLang="en-US" dirty="0">
+            <a:endParaRPr lang="ko-KR" altLang="en-US">
               <a:solidFill>
                 <a:schemeClr val="bg1"/>
               </a:solidFill>
@@ -3652,27 +3975,15 @@
         </p:txBody>
       </p:sp>
     </p:spTree>
-    <p:extLst>
-      <p:ext uri="{BB962C8B-B14F-4D97-AF65-F5344CB8AC3E}">
-        <p14:creationId xmlns:p14="http://schemas.microsoft.com/office/powerpoint/2010/main" val="2642508288"/>
-      </p:ext>
-    </p:extLst>
   </p:cSld>
   <p:clrMapOvr>
     <a:masterClrMapping/>
   </p:clrMapOvr>
-  <p:timing>
-    <p:tnLst>
-      <p:par>
-        <p:cTn id="1" dur="indefinite" restart="never" nodeType="tmRoot"/>
-      </p:par>
-    </p:tnLst>
-  </p:timing>
 </p:sld>
 </file>
 
 <file path=ppt/slides/slide4.xml><?xml version="1.0" encoding="utf-8"?>
-<p:sld xmlns:a="http://schemas.openxmlformats.org/drawingml/2006/main" xmlns:r="http://schemas.openxmlformats.org/officeDocument/2006/relationships" xmlns:p="http://schemas.openxmlformats.org/presentationml/2006/main">
+<p:sld xmlns:r="http://schemas.openxmlformats.org/officeDocument/2006/relationships" xmlns:c="http://schemas.openxmlformats.org/drawingml/2006/chart" xmlns:a="http://schemas.openxmlformats.org/drawingml/2006/main" xmlns:dgm="http://schemas.openxmlformats.org/drawingml/2006/diagram" xmlns:dsp="http://schemas.microsoft.com/office/drawing/2008/diagram" xmlns:p="http://schemas.openxmlformats.org/presentationml/2006/main">
   <p:cSld>
     <p:spTree>
       <p:nvGrpSpPr>
@@ -3722,10 +4033,12 @@
           </a:fontRef>
         </p:style>
         <p:txBody>
-          <a:bodyPr rtlCol="0" anchor="ctr"/>
-          <a:lstStyle/>
-          <a:p>
-            <a:pPr algn="ctr"/>
+          <a:bodyPr anchor="ctr"/>
+          <a:lstStyle/>
+          <a:p>
+            <a:pPr algn="ctr">
+              <a:defRPr lang="ko-KR" altLang="en-US"/>
+            </a:pPr>
             <a:endParaRPr lang="ko-KR" altLang="en-US"/>
           </a:p>
         </p:txBody>
@@ -3782,36 +4095,31 @@
           <a:noFill/>
         </p:spPr>
         <p:txBody>
-          <a:bodyPr wrap="square" rtlCol="0">
+          <a:bodyPr wrap="square">
             <a:spAutoFit/>
           </a:bodyPr>
           <a:lstStyle/>
           <a:p>
-            <a:r>
-              <a:rPr lang="en-US" altLang="ko-KR" dirty="0" err="1" smtClean="0">
+            <a:pPr lvl="0">
+              <a:defRPr lang="ko-KR" altLang="en-US"/>
+            </a:pPr>
+            <a:r>
+              <a:rPr lang="en-US" altLang="ko-KR">
                 <a:solidFill>
                   <a:srgbClr val="404153"/>
                 </a:solidFill>
               </a:rPr>
-              <a:t>CarChain</a:t>
-            </a:r>
-            <a:r>
-              <a:rPr lang="en-US" altLang="ko-KR" dirty="0" smtClean="0">
-                <a:solidFill>
-                  <a:srgbClr val="404153"/>
-                </a:solidFill>
-              </a:rPr>
-              <a:t> </a:t>
-            </a:r>
-            <a:r>
-              <a:rPr lang="ko-KR" altLang="en-US" dirty="0" smtClean="0">
+              <a:t>CarChain </a:t>
+            </a:r>
+            <a:r>
+              <a:rPr lang="ko-KR" altLang="en-US">
                 <a:solidFill>
                   <a:srgbClr val="404153"/>
                 </a:solidFill>
               </a:rPr>
               <a:t>회원가입 및 로그인</a:t>
             </a:r>
-            <a:endParaRPr lang="ko-KR" altLang="en-US" dirty="0">
+            <a:endParaRPr lang="ko-KR" altLang="en-US">
               <a:solidFill>
                 <a:srgbClr val="404153"/>
               </a:solidFill>
@@ -3828,7 +4136,7 @@
         <p:spPr>
           <a:xfrm>
             <a:off x="971360" y="3944090"/>
-            <a:ext cx="7417064" cy="923330"/>
+            <a:ext cx="7417064" cy="902230"/>
           </a:xfrm>
           <a:prstGeom prst="rect">
             <a:avLst/>
@@ -3836,59 +4144,55 @@
           <a:noFill/>
         </p:spPr>
         <p:txBody>
-          <a:bodyPr wrap="square" rtlCol="0">
+          <a:bodyPr wrap="square">
             <a:spAutoFit/>
           </a:bodyPr>
           <a:lstStyle/>
           <a:p>
             <a:pPr marL="285750" indent="-285750">
-              <a:buFont typeface="Arial" pitchFamily="34" charset="0"/>
+              <a:buFont typeface="Arial"/>
               <a:buChar char="•"/>
-            </a:pPr>
-            <a:r>
-              <a:rPr lang="ko-KR" altLang="en-US" dirty="0">
+              <a:defRPr lang="ko-KR" altLang="en-US"/>
+            </a:pPr>
+            <a:r>
+              <a:rPr lang="ko-KR" altLang="en-US">
                 <a:solidFill>
                   <a:schemeClr val="bg1"/>
                 </a:solidFill>
               </a:rPr>
               <a:t>정보 입력 및 삭제 및 수정 기능 </a:t>
             </a:r>
-            <a:endParaRPr lang="en-US" altLang="ko-KR" dirty="0">
+            <a:endParaRPr lang="ko-KR" altLang="en-US">
               <a:solidFill>
                 <a:schemeClr val="bg1"/>
               </a:solidFill>
             </a:endParaRPr>
           </a:p>
           <a:p>
-            <a:pPr fontAlgn="base"/>
-            <a:endParaRPr lang="en-US" altLang="ko-KR" dirty="0" smtClean="0">
+            <a:pPr>
+              <a:defRPr lang="ko-KR" altLang="en-US"/>
+            </a:pPr>
+            <a:endParaRPr lang="en-US" altLang="ko-KR">
               <a:solidFill>
                 <a:schemeClr val="bg1"/>
               </a:solidFill>
             </a:endParaRPr>
           </a:p>
           <a:p>
-            <a:pPr marL="285750" indent="-285750" fontAlgn="base">
-              <a:buFont typeface="Arial" pitchFamily="34" charset="0"/>
+            <a:pPr marL="285750" indent="-285750">
+              <a:buFont typeface="Arial"/>
               <a:buChar char="•"/>
-            </a:pPr>
-            <a:r>
-              <a:rPr lang="ko-KR" altLang="en-US" dirty="0">
+              <a:defRPr lang="ko-KR" altLang="en-US"/>
+            </a:pPr>
+            <a:r>
+              <a:rPr lang="ko-KR" altLang="en-US">
                 <a:solidFill>
                   <a:schemeClr val="bg1"/>
                 </a:solidFill>
               </a:rPr>
-              <a:t>로그인 필수 개인정보입력 및 확인 </a:t>
-            </a:r>
-            <a:r>
-              <a:rPr lang="ko-KR" altLang="en-US" dirty="0" smtClean="0">
-                <a:solidFill>
-                  <a:schemeClr val="bg1"/>
-                </a:solidFill>
-              </a:rPr>
-              <a:t>부가기능</a:t>
-            </a:r>
-            <a:endParaRPr lang="en-US" altLang="ko-KR" dirty="0" smtClean="0">
+              <a:t>로그인 필수 개인정보입력 및 확인 부가기능</a:t>
+            </a:r>
+            <a:endParaRPr lang="en-US" altLang="ko-KR">
               <a:solidFill>
                 <a:schemeClr val="bg1"/>
               </a:solidFill>
@@ -3904,14 +4208,8 @@
           </p:cNvPicPr>
           <p:nvPr/>
         </p:nvPicPr>
-        <p:blipFill>
-          <a:blip r:embed="rId2">
-            <a:extLst>
-              <a:ext uri="{28A0092B-C50C-407E-A947-70E740481C1C}">
-                <a14:useLocalDpi xmlns:a14="http://schemas.microsoft.com/office/drawing/2010/main" val="0"/>
-              </a:ext>
-            </a:extLst>
-          </a:blip>
+        <p:blipFill rotWithShape="1">
+          <a:blip r:embed="rId2"/>
           <a:stretch>
             <a:fillRect/>
           </a:stretch>
@@ -3927,27 +4225,15 @@
         </p:spPr>
       </p:pic>
     </p:spTree>
-    <p:extLst>
-      <p:ext uri="{BB962C8B-B14F-4D97-AF65-F5344CB8AC3E}">
-        <p14:creationId xmlns:p14="http://schemas.microsoft.com/office/powerpoint/2010/main" val="1252124016"/>
-      </p:ext>
-    </p:extLst>
   </p:cSld>
   <p:clrMapOvr>
     <a:masterClrMapping/>
   </p:clrMapOvr>
-  <p:timing>
-    <p:tnLst>
-      <p:par>
-        <p:cTn id="1" dur="indefinite" restart="never" nodeType="tmRoot"/>
-      </p:par>
-    </p:tnLst>
-  </p:timing>
 </p:sld>
 </file>
 
 <file path=ppt/slides/slide5.xml><?xml version="1.0" encoding="utf-8"?>
-<p:sld xmlns:a="http://schemas.openxmlformats.org/drawingml/2006/main" xmlns:r="http://schemas.openxmlformats.org/officeDocument/2006/relationships" xmlns:p="http://schemas.openxmlformats.org/presentationml/2006/main">
+<p:sld xmlns:r="http://schemas.openxmlformats.org/officeDocument/2006/relationships" xmlns:c="http://schemas.openxmlformats.org/drawingml/2006/chart" xmlns:a="http://schemas.openxmlformats.org/drawingml/2006/main" xmlns:dgm="http://schemas.openxmlformats.org/drawingml/2006/diagram" xmlns:dsp="http://schemas.microsoft.com/office/drawing/2008/diagram" xmlns:p="http://schemas.openxmlformats.org/presentationml/2006/main">
   <p:cSld>
     <p:spTree>
       <p:nvGrpSpPr>
@@ -3997,10 +4283,13 @@
           </a:fontRef>
         </p:style>
         <p:txBody>
-          <a:bodyPr rtlCol="0" anchor="ctr"/>
-          <a:lstStyle/>
-          <a:p>
-            <a:endParaRPr lang="ko-KR" altLang="en-US" dirty="0"/>
+          <a:bodyPr anchor="ctr"/>
+          <a:lstStyle/>
+          <a:p>
+            <a:pPr lvl="0">
+              <a:defRPr lang="ko-KR" altLang="en-US"/>
+            </a:pPr>
+            <a:endParaRPr lang="ko-KR" altLang="en-US"/>
           </a:p>
         </p:txBody>
       </p:sp>
@@ -4056,20 +4345,23 @@
           <a:noFill/>
         </p:spPr>
         <p:txBody>
-          <a:bodyPr wrap="square" rtlCol="0">
+          <a:bodyPr wrap="square">
             <a:spAutoFit/>
           </a:bodyPr>
           <a:lstStyle/>
           <a:p>
-            <a:r>
-              <a:rPr lang="ko-KR" altLang="en-US" dirty="0" smtClean="0">
+            <a:pPr lvl="0">
+              <a:defRPr lang="ko-KR" altLang="en-US"/>
+            </a:pPr>
+            <a:r>
+              <a:rPr lang="ko-KR" altLang="en-US">
                 <a:solidFill>
                   <a:srgbClr val="404153"/>
                 </a:solidFill>
               </a:rPr>
               <a:t>차량조회 기능</a:t>
             </a:r>
-            <a:endParaRPr lang="ko-KR" altLang="en-US" dirty="0">
+            <a:endParaRPr lang="ko-KR" altLang="en-US">
               <a:solidFill>
                 <a:srgbClr val="404153"/>
               </a:solidFill>
@@ -4086,7 +4378,7 @@
         <p:spPr>
           <a:xfrm>
             <a:off x="971360" y="3944090"/>
-            <a:ext cx="7417064" cy="923330"/>
+            <a:ext cx="7417064" cy="902230"/>
           </a:xfrm>
           <a:prstGeom prst="rect">
             <a:avLst/>
@@ -4094,50 +4386,55 @@
           <a:noFill/>
         </p:spPr>
         <p:txBody>
-          <a:bodyPr wrap="square" rtlCol="0">
+          <a:bodyPr wrap="square">
             <a:spAutoFit/>
           </a:bodyPr>
           <a:lstStyle/>
           <a:p>
             <a:pPr marL="285750" indent="-285750">
-              <a:buFont typeface="Arial" pitchFamily="34" charset="0"/>
+              <a:buFont typeface="Arial"/>
               <a:buChar char="•"/>
-            </a:pPr>
-            <a:r>
-              <a:rPr lang="ko-KR" altLang="en-US" dirty="0" smtClean="0">
+              <a:defRPr lang="ko-KR" altLang="en-US"/>
+            </a:pPr>
+            <a:r>
+              <a:rPr lang="ko-KR" altLang="en-US">
                 <a:solidFill>
                   <a:schemeClr val="bg1"/>
                 </a:solidFill>
               </a:rPr>
               <a:t>대여할 수 있는 지역 및 차량 조회</a:t>
             </a:r>
-            <a:endParaRPr lang="en-US" altLang="ko-KR" dirty="0" smtClean="0">
+            <a:endParaRPr lang="ko-KR" altLang="en-US">
               <a:solidFill>
                 <a:schemeClr val="bg1"/>
               </a:solidFill>
             </a:endParaRPr>
           </a:p>
           <a:p>
-            <a:endParaRPr lang="en-US" altLang="ko-KR" dirty="0">
+            <a:pPr lvl="0">
+              <a:defRPr lang="ko-KR" altLang="en-US"/>
+            </a:pPr>
+            <a:endParaRPr lang="en-US" altLang="ko-KR">
               <a:solidFill>
                 <a:schemeClr val="bg1"/>
               </a:solidFill>
             </a:endParaRPr>
           </a:p>
           <a:p>
-            <a:pPr marL="285750" indent="-285750" fontAlgn="base">
-              <a:buFont typeface="Arial" pitchFamily="34" charset="0"/>
+            <a:pPr marL="285750" indent="-285750">
+              <a:buFont typeface="Arial"/>
               <a:buChar char="•"/>
-            </a:pPr>
-            <a:r>
-              <a:rPr lang="ko-KR" altLang="en-US" dirty="0" smtClean="0">
+              <a:defRPr lang="ko-KR" altLang="en-US"/>
+            </a:pPr>
+            <a:r>
+              <a:rPr lang="ko-KR" altLang="en-US">
                 <a:solidFill>
                   <a:schemeClr val="bg1"/>
                 </a:solidFill>
               </a:rPr>
               <a:t>차량 및 대여 일자 별로 달라지는 금액 제시</a:t>
             </a:r>
-            <a:endParaRPr lang="ko-KR" altLang="en-US" dirty="0" smtClean="0">
+            <a:endParaRPr lang="ko-KR" altLang="en-US">
               <a:solidFill>
                 <a:schemeClr val="bg1"/>
               </a:solidFill>
@@ -4153,14 +4450,8 @@
           </p:cNvPicPr>
           <p:nvPr/>
         </p:nvPicPr>
-        <p:blipFill>
-          <a:blip r:embed="rId2">
-            <a:extLst>
-              <a:ext uri="{28A0092B-C50C-407E-A947-70E740481C1C}">
-                <a14:useLocalDpi xmlns:a14="http://schemas.microsoft.com/office/drawing/2010/main" val="0"/>
-              </a:ext>
-            </a:extLst>
-          </a:blip>
+        <p:blipFill rotWithShape="1">
+          <a:blip r:embed="rId2"/>
           <a:stretch>
             <a:fillRect/>
           </a:stretch>
@@ -4176,27 +4467,15 @@
         </p:spPr>
       </p:pic>
     </p:spTree>
-    <p:extLst>
-      <p:ext uri="{BB962C8B-B14F-4D97-AF65-F5344CB8AC3E}">
-        <p14:creationId xmlns:p14="http://schemas.microsoft.com/office/powerpoint/2010/main" val="2642508288"/>
-      </p:ext>
-    </p:extLst>
   </p:cSld>
   <p:clrMapOvr>
     <a:masterClrMapping/>
   </p:clrMapOvr>
-  <p:timing>
-    <p:tnLst>
-      <p:par>
-        <p:cTn id="1" dur="indefinite" restart="never" nodeType="tmRoot"/>
-      </p:par>
-    </p:tnLst>
-  </p:timing>
 </p:sld>
 </file>
 
 <file path=ppt/slides/slide6.xml><?xml version="1.0" encoding="utf-8"?>
-<p:sld xmlns:a="http://schemas.openxmlformats.org/drawingml/2006/main" xmlns:r="http://schemas.openxmlformats.org/officeDocument/2006/relationships" xmlns:p="http://schemas.openxmlformats.org/presentationml/2006/main">
+<p:sld xmlns:r="http://schemas.openxmlformats.org/officeDocument/2006/relationships" xmlns:c="http://schemas.openxmlformats.org/drawingml/2006/chart" xmlns:a="http://schemas.openxmlformats.org/drawingml/2006/main" xmlns:dgm="http://schemas.openxmlformats.org/drawingml/2006/diagram" xmlns:dsp="http://schemas.microsoft.com/office/drawing/2008/diagram" xmlns:p="http://schemas.openxmlformats.org/presentationml/2006/main">
   <p:cSld>
     <p:spTree>
       <p:nvGrpSpPr>
@@ -4246,10 +4525,12 @@
           </a:fontRef>
         </p:style>
         <p:txBody>
-          <a:bodyPr rtlCol="0" anchor="ctr"/>
-          <a:lstStyle/>
-          <a:p>
-            <a:pPr algn="ctr"/>
+          <a:bodyPr anchor="ctr"/>
+          <a:lstStyle/>
+          <a:p>
+            <a:pPr algn="ctr">
+              <a:defRPr lang="ko-KR" altLang="en-US"/>
+            </a:pPr>
             <a:endParaRPr lang="ko-KR" altLang="en-US"/>
           </a:p>
         </p:txBody>
@@ -4306,13 +4587,16 @@
           <a:noFill/>
         </p:spPr>
         <p:txBody>
-          <a:bodyPr wrap="square" rtlCol="0">
+          <a:bodyPr wrap="square">
             <a:spAutoFit/>
           </a:bodyPr>
           <a:lstStyle/>
           <a:p>
-            <a:r>
-              <a:rPr lang="en-US" altLang="ko-KR" dirty="0" err="1" smtClean="0">
+            <a:pPr lvl="0">
+              <a:defRPr lang="ko-KR" altLang="en-US"/>
+            </a:pPr>
+            <a:r>
+              <a:rPr lang="en-US" altLang="ko-KR">
                 <a:solidFill>
                   <a:schemeClr val="bg1"/>
                 </a:solidFill>
@@ -4320,14 +4604,14 @@
               <a:t>CarChain</a:t>
             </a:r>
             <a:r>
-              <a:rPr lang="ko-KR" altLang="en-US" dirty="0" smtClean="0">
+              <a:rPr lang="ko-KR" altLang="en-US">
                 <a:solidFill>
                   <a:schemeClr val="bg1"/>
                 </a:solidFill>
               </a:rPr>
               <a:t>추후기능</a:t>
             </a:r>
-            <a:endParaRPr lang="ko-KR" altLang="en-US" dirty="0">
+            <a:endParaRPr lang="ko-KR" altLang="en-US">
               <a:solidFill>
                 <a:schemeClr val="bg1"/>
               </a:solidFill>
@@ -4344,7 +4628,7 @@
         <p:spPr>
           <a:xfrm>
             <a:off x="683568" y="1556792"/>
-            <a:ext cx="7344816" cy="2246769"/>
+            <a:ext cx="7344815" cy="2222728"/>
           </a:xfrm>
           <a:prstGeom prst="rect">
             <a:avLst/>
@@ -4352,17 +4636,18 @@
           <a:noFill/>
         </p:spPr>
         <p:txBody>
-          <a:bodyPr wrap="square" rtlCol="0">
+          <a:bodyPr wrap="square">
             <a:spAutoFit/>
           </a:bodyPr>
           <a:lstStyle/>
           <a:p>
             <a:pPr marL="342900" indent="-342900">
-              <a:buFont typeface="Arial" pitchFamily="34" charset="0"/>
+              <a:buFont typeface="Arial"/>
               <a:buChar char="•"/>
-            </a:pPr>
-            <a:r>
-              <a:rPr lang="ko-KR" altLang="en-US" sz="2000" dirty="0" smtClean="0">
+              <a:defRPr lang="ko-KR" altLang="en-US"/>
+            </a:pPr>
+            <a:r>
+              <a:rPr lang="ko-KR" altLang="en-US" sz="2000">
                 <a:solidFill>
                   <a:schemeClr val="bg1"/>
                 </a:solidFill>
@@ -4370,7 +4655,7 @@
               <a:t>대여점들 마다 </a:t>
             </a:r>
             <a:r>
-              <a:rPr lang="en-US" altLang="ko-KR" sz="2000" dirty="0" smtClean="0">
+              <a:rPr lang="en-US" altLang="ko-KR" sz="2000">
                 <a:solidFill>
                   <a:schemeClr val="bg1"/>
                 </a:solidFill>
@@ -4378,14 +4663,14 @@
               <a:t>Google Map </a:t>
             </a:r>
             <a:r>
-              <a:rPr lang="ko-KR" altLang="en-US" sz="2000" dirty="0" smtClean="0">
+              <a:rPr lang="ko-KR" altLang="en-US" sz="2000">
                 <a:solidFill>
                   <a:schemeClr val="bg1"/>
                 </a:solidFill>
               </a:rPr>
               <a:t>적용을 하여 위치 나타내기</a:t>
             </a:r>
-            <a:endParaRPr lang="en-US" altLang="ko-KR" sz="2000" dirty="0" smtClean="0">
+            <a:endParaRPr lang="ko-KR" altLang="en-US" sz="2000">
               <a:solidFill>
                 <a:schemeClr val="bg1"/>
               </a:solidFill>
@@ -4393,89 +4678,95 @@
           </a:p>
           <a:p>
             <a:pPr marL="342900" indent="-342900">
-              <a:buFont typeface="Arial" pitchFamily="34" charset="0"/>
+              <a:buFont typeface="Arial"/>
               <a:buChar char="•"/>
-            </a:pPr>
-            <a:endParaRPr lang="en-US" altLang="ko-KR" sz="2000" dirty="0">
+              <a:defRPr lang="ko-KR" altLang="en-US"/>
+            </a:pPr>
+            <a:endParaRPr lang="en-US" altLang="ko-KR" sz="2000">
               <a:solidFill>
                 <a:schemeClr val="bg1"/>
               </a:solidFill>
             </a:endParaRPr>
           </a:p>
           <a:p>
-            <a:pPr marL="342900" indent="-342900" fontAlgn="base">
-              <a:buFont typeface="Arial" pitchFamily="34" charset="0"/>
+            <a:pPr marL="342900" indent="-342900">
+              <a:buFont typeface="Arial"/>
               <a:buChar char="•"/>
-            </a:pPr>
-            <a:r>
-              <a:rPr lang="ko-KR" altLang="en-US" sz="2000" dirty="0" smtClean="0">
+              <a:defRPr lang="ko-KR" altLang="en-US"/>
+            </a:pPr>
+            <a:r>
+              <a:rPr lang="ko-KR" altLang="en-US" sz="2000">
                 <a:solidFill>
                   <a:schemeClr val="bg1"/>
                 </a:solidFill>
               </a:rPr>
               <a:t>차량의 온라인 매매 장소로 만드는 것</a:t>
             </a:r>
-            <a:endParaRPr lang="en-US" altLang="ko-KR" sz="2000" dirty="0" smtClean="0">
+            <a:endParaRPr lang="ko-KR" altLang="en-US" sz="2000">
               <a:solidFill>
                 <a:schemeClr val="bg1"/>
               </a:solidFill>
             </a:endParaRPr>
           </a:p>
           <a:p>
-            <a:pPr marL="342900" indent="-342900" fontAlgn="base">
-              <a:buFont typeface="Arial" pitchFamily="34" charset="0"/>
+            <a:pPr marL="342900" indent="-342900">
+              <a:buFont typeface="Arial"/>
               <a:buChar char="•"/>
-            </a:pPr>
-            <a:endParaRPr lang="en-US" altLang="ko-KR" sz="2000" dirty="0" smtClean="0">
+              <a:defRPr lang="ko-KR" altLang="en-US"/>
+            </a:pPr>
+            <a:endParaRPr lang="en-US" altLang="ko-KR" sz="2000">
               <a:solidFill>
                 <a:schemeClr val="bg1"/>
               </a:solidFill>
             </a:endParaRPr>
           </a:p>
           <a:p>
-            <a:pPr marL="342900" indent="-342900" fontAlgn="base">
-              <a:buFont typeface="Arial" pitchFamily="34" charset="0"/>
+            <a:pPr marL="342900" indent="-342900">
+              <a:buFont typeface="Arial"/>
               <a:buChar char="•"/>
-            </a:pPr>
-            <a:r>
-              <a:rPr lang="ko-KR" altLang="en-US" sz="2000" dirty="0" smtClean="0">
+              <a:defRPr lang="ko-KR" altLang="en-US"/>
+            </a:pPr>
+            <a:r>
+              <a:rPr lang="ko-KR" altLang="en-US" sz="2000">
                 <a:solidFill>
                   <a:schemeClr val="bg1"/>
                 </a:solidFill>
               </a:rPr>
               <a:t>차량에 대한 사고 이력 조회 기능 부여</a:t>
             </a:r>
-            <a:endParaRPr lang="en-US" altLang="ko-KR" sz="2000" dirty="0" smtClean="0">
+            <a:endParaRPr lang="ko-KR" altLang="en-US" sz="2000">
               <a:solidFill>
                 <a:schemeClr val="bg1"/>
               </a:solidFill>
             </a:endParaRPr>
           </a:p>
           <a:p>
-            <a:pPr marL="342900" indent="-342900" fontAlgn="base">
-              <a:buFont typeface="Arial" pitchFamily="34" charset="0"/>
+            <a:pPr marL="342900" indent="-342900">
+              <a:buFont typeface="Arial"/>
               <a:buChar char="•"/>
-            </a:pPr>
-            <a:endParaRPr lang="en-US" altLang="ko-KR" sz="2000" dirty="0">
+              <a:defRPr lang="ko-KR" altLang="en-US"/>
+            </a:pPr>
+            <a:endParaRPr lang="en-US" altLang="ko-KR" sz="2000">
               <a:solidFill>
                 <a:schemeClr val="bg1"/>
               </a:solidFill>
             </a:endParaRPr>
           </a:p>
           <a:p>
-            <a:pPr marL="342900" indent="-342900" fontAlgn="base">
-              <a:buFont typeface="Arial" pitchFamily="34" charset="0"/>
+            <a:pPr marL="342900" indent="-342900">
+              <a:buFont typeface="Arial"/>
               <a:buChar char="•"/>
-            </a:pPr>
-            <a:r>
-              <a:rPr lang="ko-KR" altLang="en-US" sz="2000" dirty="0" smtClean="0">
+              <a:defRPr lang="ko-KR" altLang="en-US"/>
+            </a:pPr>
+            <a:r>
+              <a:rPr lang="ko-KR" altLang="en-US" sz="2000">
                 <a:solidFill>
                   <a:schemeClr val="bg1"/>
                 </a:solidFill>
               </a:rPr>
               <a:t>차량에 대한 사진 업로드</a:t>
             </a:r>
-            <a:endParaRPr lang="en-US" altLang="ko-KR" sz="2000" dirty="0" smtClean="0">
+            <a:endParaRPr lang="en-US" altLang="ko-KR" sz="2000">
               <a:solidFill>
                 <a:schemeClr val="bg1"/>
               </a:solidFill>
@@ -4484,27 +4775,15 @@
         </p:txBody>
       </p:sp>
     </p:spTree>
-    <p:extLst>
-      <p:ext uri="{BB962C8B-B14F-4D97-AF65-F5344CB8AC3E}">
-        <p14:creationId xmlns:p14="http://schemas.microsoft.com/office/powerpoint/2010/main" val="1252124016"/>
-      </p:ext>
-    </p:extLst>
   </p:cSld>
   <p:clrMapOvr>
     <a:masterClrMapping/>
   </p:clrMapOvr>
-  <p:timing>
-    <p:tnLst>
-      <p:par>
-        <p:cTn id="1" dur="indefinite" restart="never" nodeType="tmRoot"/>
-      </p:par>
-    </p:tnLst>
-  </p:timing>
 </p:sld>
 </file>
 
 <file path=ppt/slides/slide7.xml><?xml version="1.0" encoding="utf-8"?>
-<p:sld xmlns:a="http://schemas.openxmlformats.org/drawingml/2006/main" xmlns:r="http://schemas.openxmlformats.org/officeDocument/2006/relationships" xmlns:p="http://schemas.openxmlformats.org/presentationml/2006/main">
+<p:sld xmlns:r="http://schemas.openxmlformats.org/officeDocument/2006/relationships" xmlns:c="http://schemas.openxmlformats.org/drawingml/2006/chart" xmlns:a="http://schemas.openxmlformats.org/drawingml/2006/main" xmlns:dgm="http://schemas.openxmlformats.org/drawingml/2006/diagram" xmlns:dsp="http://schemas.microsoft.com/office/drawing/2008/diagram" xmlns:p="http://schemas.openxmlformats.org/presentationml/2006/main">
   <p:cSld>
     <p:spTree>
       <p:nvGrpSpPr>
@@ -4554,10 +4833,12 @@
           </a:fontRef>
         </p:style>
         <p:txBody>
-          <a:bodyPr rtlCol="0" anchor="ctr"/>
-          <a:lstStyle/>
-          <a:p>
-            <a:pPr algn="ctr"/>
+          <a:bodyPr anchor="ctr"/>
+          <a:lstStyle/>
+          <a:p>
+            <a:pPr algn="ctr">
+              <a:defRPr lang="ko-KR" altLang="en-US"/>
+            </a:pPr>
             <a:endParaRPr lang="ko-KR" altLang="en-US">
               <a:latin typeface="+mj-lt"/>
             </a:endParaRPr>
@@ -4573,7 +4854,7 @@
         <p:spPr>
           <a:xfrm>
             <a:off x="903015" y="1166842"/>
-            <a:ext cx="7344816" cy="4524315"/>
+            <a:ext cx="7344815" cy="4479578"/>
           </a:xfrm>
           <a:prstGeom prst="rect">
             <a:avLst/>
@@ -4581,43 +4862,59 @@
           <a:noFill/>
         </p:spPr>
         <p:txBody>
-          <a:bodyPr wrap="square" rtlCol="0">
+          <a:bodyPr wrap="square">
             <a:spAutoFit/>
           </a:bodyPr>
           <a:lstStyle/>
           <a:p>
-            <a:pPr algn="ctr"/>
-            <a:r>
-              <a:rPr lang="en-US" altLang="ko-KR" sz="9600" dirty="0" smtClean="0">
+            <a:pPr algn="ctr">
+              <a:defRPr lang="ko-KR" altLang="en-US"/>
+            </a:pPr>
+            <a:r>
+              <a:rPr lang="en-US" altLang="ko-KR" sz="9600">
                 <a:solidFill>
                   <a:schemeClr val="bg1"/>
                 </a:solidFill>
               </a:rPr>
               <a:t>Thank You</a:t>
             </a:r>
-          </a:p>
-          <a:p>
-            <a:pPr algn="ctr"/>
-            <a:r>
-              <a:rPr lang="en-US" altLang="ko-KR" sz="9600" dirty="0" smtClean="0">
+            <a:endParaRPr lang="en-US" altLang="ko-KR" sz="9600">
+              <a:solidFill>
+                <a:schemeClr val="bg1"/>
+              </a:solidFill>
+            </a:endParaRPr>
+          </a:p>
+          <a:p>
+            <a:pPr algn="ctr">
+              <a:defRPr lang="ko-KR" altLang="en-US"/>
+            </a:pPr>
+            <a:r>
+              <a:rPr lang="en-US" altLang="ko-KR" sz="9600">
                 <a:solidFill>
                   <a:schemeClr val="bg1"/>
                 </a:solidFill>
               </a:rPr>
               <a:t>For</a:t>
             </a:r>
-          </a:p>
-          <a:p>
-            <a:pPr algn="ctr"/>
-            <a:r>
-              <a:rPr lang="en-US" altLang="ko-KR" sz="9600" dirty="0" smtClean="0">
+            <a:endParaRPr lang="en-US" altLang="ko-KR" sz="9600">
+              <a:solidFill>
+                <a:schemeClr val="bg1"/>
+              </a:solidFill>
+            </a:endParaRPr>
+          </a:p>
+          <a:p>
+            <a:pPr algn="ctr">
+              <a:defRPr lang="ko-KR" altLang="en-US"/>
+            </a:pPr>
+            <a:r>
+              <a:rPr lang="en-US" altLang="ko-KR" sz="9600">
                 <a:solidFill>
                   <a:schemeClr val="bg1"/>
                 </a:solidFill>
               </a:rPr>
               <a:t>Watching</a:t>
             </a:r>
-            <a:endParaRPr lang="ko-KR" altLang="en-US" sz="9600" dirty="0">
+            <a:endParaRPr lang="ko-KR" altLang="en-US" sz="9600">
               <a:solidFill>
                 <a:schemeClr val="bg1"/>
               </a:solidFill>
@@ -4626,61 +4923,49 @@
         </p:txBody>
       </p:sp>
     </p:spTree>
-    <p:extLst>
-      <p:ext uri="{BB962C8B-B14F-4D97-AF65-F5344CB8AC3E}">
-        <p14:creationId xmlns:p14="http://schemas.microsoft.com/office/powerpoint/2010/main" val="2399363595"/>
-      </p:ext>
-    </p:extLst>
   </p:cSld>
   <p:clrMapOvr>
     <a:masterClrMapping/>
   </p:clrMapOvr>
-  <p:timing>
-    <p:tnLst>
-      <p:par>
-        <p:cTn id="1" dur="indefinite" restart="never" nodeType="tmRoot"/>
-      </p:par>
-    </p:tnLst>
-  </p:timing>
 </p:sld>
 </file>
 
 <file path=ppt/theme/theme1.xml><?xml version="1.0" encoding="utf-8"?>
-<a:theme xmlns:a="http://schemas.openxmlformats.org/drawingml/2006/main" name="Office 테마">
+<a:theme xmlns:r="http://schemas.openxmlformats.org/officeDocument/2006/relationships" xmlns:c="http://schemas.openxmlformats.org/drawingml/2006/chart" xmlns:dgm="http://schemas.openxmlformats.org/drawingml/2006/diagram" xmlns:dsp="http://schemas.microsoft.com/office/drawing/2008/diagram" xmlns:a="http://schemas.openxmlformats.org/drawingml/2006/main" xmlns:pic="http://schemas.openxmlformats.org/drawingml/2006/picture" xmlns:wp="http://schemas.openxmlformats.org/drawingml/2006/wordprocessingDrawing" xmlns:xdr="http://schemas.openxmlformats.org/drawingml/2006/spreadsheetDrawing" name="Office 테마">
   <a:themeElements>
     <a:clrScheme name="Office">
       <a:dk1>
         <a:sysClr val="windowText" lastClr="000000"/>
       </a:dk1>
       <a:lt1>
-        <a:sysClr val="window" lastClr="FFFFFF"/>
+        <a:sysClr val="window" lastClr="ffffff"/>
       </a:lt1>
       <a:dk2>
-        <a:srgbClr val="1F497D"/>
+        <a:srgbClr val="1f497d"/>
       </a:dk2>
       <a:lt2>
-        <a:srgbClr val="EEECE1"/>
+        <a:srgbClr val="eeece1"/>
       </a:lt2>
       <a:accent1>
-        <a:srgbClr val="4F81BD"/>
+        <a:srgbClr val="4f81bd"/>
       </a:accent1>
       <a:accent2>
-        <a:srgbClr val="C0504D"/>
+        <a:srgbClr val="c0504d"/>
       </a:accent2>
       <a:accent3>
-        <a:srgbClr val="9BBB59"/>
+        <a:srgbClr val="9bbb59"/>
       </a:accent3>
       <a:accent4>
-        <a:srgbClr val="8064A2"/>
+        <a:srgbClr val="8064a2"/>
       </a:accent4>
       <a:accent5>
-        <a:srgbClr val="4BACC6"/>
+        <a:srgbClr val="4bacc6"/>
       </a:accent5>
       <a:accent6>
-        <a:srgbClr val="F79646"/>
+        <a:srgbClr val="f79646"/>
       </a:accent6>
       <a:hlink>
-        <a:srgbClr val="0000FF"/>
+        <a:srgbClr val="0000ff"/>
       </a:hlink>
       <a:folHlink>
         <a:srgbClr val="800080"/>
@@ -4860,17 +5145,6 @@
               </a:srgbClr>
             </a:outerShdw>
           </a:effectLst>
-          <a:scene3d>
-            <a:camera prst="orthographicFront">
-              <a:rot lat="0" lon="0" rev="0"/>
-            </a:camera>
-            <a:lightRig rig="threePt" dir="t">
-              <a:rot lat="0" lon="0" rev="1200000"/>
-            </a:lightRig>
-          </a:scene3d>
-          <a:sp3d>
-            <a:bevelT w="63500" h="25400"/>
-          </a:sp3d>
         </a:effectStyle>
       </a:effectStyleLst>
       <a:bgFillStyleLst>
@@ -4952,6 +5226,5 @@
       </a:style>
     </a:spDef>
   </a:objectDefaults>
-  <a:extraClrSchemeLst/>
 </a:theme>
 </file>